--- a/sctm146-proekt-unrvk-1.pptx
+++ b/sctm146-proekt-unrvk-1.pptx
@@ -6,6 +6,11 @@
   </p:sldMasterIdLst>
   <p:sldIdLst>
     <p:sldId id="256" r:id="rId2"/>
+    <p:sldId id="257" r:id="rId3"/>
+    <p:sldId id="264" r:id="rId4"/>
+    <p:sldId id="265" r:id="rId5"/>
+    <p:sldId id="258" r:id="rId6"/>
+    <p:sldId id="262" r:id="rId7"/>
   </p:sldIdLst>
   <p:sldSz cx="12192000" cy="6858000"/>
   <p:notesSz cx="6858000" cy="9144000"/>
@@ -104,6 +109,11 @@
       </a:defRPr>
     </a:lvl9pPr>
   </p:defaultTextStyle>
+  <p:extLst>
+    <p:ext uri="{EFAFB233-063F-42B5-8137-9DF3F51BA10A}">
+      <p15:sldGuideLst xmlns:p15="http://schemas.microsoft.com/office/powerpoint/2012/main"/>
+    </p:ext>
+  </p:extLst>
 </p:presentation>
 </file>
 
@@ -3339,10 +3349,35 @@
         </p:nvSpPr>
         <p:spPr/>
         <p:txBody>
-          <a:bodyPr/>
-          <a:lstStyle/>
-          <a:p>
-            <a:endParaRPr lang="en-GB"/>
+          <a:bodyPr>
+            <a:normAutofit fontScale="90000"/>
+          </a:bodyPr>
+          <a:lstStyle/>
+          <a:p>
+            <a:r>
+              <a:rPr lang="en-GB" dirty="0"/>
+              <a:t>SCTM-146 </a:t>
+            </a:r>
+            <a:r>
+              <a:rPr lang="bg-BG" dirty="0"/>
+              <a:t>Проект: Управление на риска при </a:t>
+            </a:r>
+            <a:r>
+              <a:rPr lang="en-GB" dirty="0"/>
+              <a:t>e</a:t>
+            </a:r>
+            <a:r>
+              <a:rPr lang="bg-BG" dirty="0" err="1"/>
+              <a:t>ксплойт</a:t>
+            </a:r>
+            <a:r>
+              <a:rPr lang="bg-BG" dirty="0"/>
+              <a:t> "нулев ден" (0</a:t>
+            </a:r>
+            <a:r>
+              <a:rPr lang="en-GB" dirty="0"/>
+              <a:t>day)</a:t>
+            </a:r>
           </a:p>
         </p:txBody>
       </p:sp>
@@ -3367,7 +3402,31 @@
           <a:bodyPr/>
           <a:lstStyle/>
           <a:p>
-            <a:endParaRPr lang="en-GB"/>
+            <a:r>
+              <a:rPr lang="bg-BG" dirty="0"/>
+              <a:t>Атанас </a:t>
+            </a:r>
+            <a:r>
+              <a:rPr lang="bg-BG" dirty="0" err="1"/>
+              <a:t>Л</a:t>
+            </a:r>
+            <a:r>
+              <a:rPr lang="bg-BG" dirty="0"/>
+              <a:t>. Кузманов</a:t>
+            </a:r>
+          </a:p>
+          <a:p>
+            <a:r>
+              <a:rPr lang="bg-BG" dirty="0"/>
+              <a:t>2022</a:t>
+            </a:r>
+          </a:p>
+          <a:p>
+            <a:r>
+              <a:rPr lang="bg-BG" dirty="0"/>
+              <a:t>София, България</a:t>
+            </a:r>
+            <a:endParaRPr lang="en-GB" dirty="0"/>
           </a:p>
         </p:txBody>
       </p:sp>
@@ -3375,6 +3434,699 @@
     <p:extLst>
       <p:ext uri="{BB962C8B-B14F-4D97-AF65-F5344CB8AC3E}">
         <p14:creationId xmlns:p14="http://schemas.microsoft.com/office/powerpoint/2010/main" val="4177031949"/>
+      </p:ext>
+    </p:extLst>
+  </p:cSld>
+  <p:clrMapOvr>
+    <a:masterClrMapping/>
+  </p:clrMapOvr>
+</p:sld>
+</file>
+
+<file path=ppt/slides/slide2.xml><?xml version="1.0" encoding="utf-8"?>
+<p:sld xmlns:a="http://schemas.openxmlformats.org/drawingml/2006/main" xmlns:r="http://schemas.openxmlformats.org/officeDocument/2006/relationships" xmlns:p="http://schemas.openxmlformats.org/presentationml/2006/main">
+  <p:cSld>
+    <p:spTree>
+      <p:nvGrpSpPr>
+        <p:cNvPr id="1" name=""/>
+        <p:cNvGrpSpPr/>
+        <p:nvPr/>
+      </p:nvGrpSpPr>
+      <p:grpSpPr>
+        <a:xfrm>
+          <a:off x="0" y="0"/>
+          <a:ext cx="0" cy="0"/>
+          <a:chOff x="0" y="0"/>
+          <a:chExt cx="0" cy="0"/>
+        </a:xfrm>
+      </p:grpSpPr>
+      <p:sp>
+        <p:nvSpPr>
+          <p:cNvPr id="4" name="TextBox 3">
+            <a:extLst>
+              <a:ext uri="{FF2B5EF4-FFF2-40B4-BE49-F238E27FC236}">
+                <a16:creationId xmlns:a16="http://schemas.microsoft.com/office/drawing/2014/main" id="{8E2B26D2-60F4-E64D-B3E1-67962DF01FD8}"/>
+              </a:ext>
+            </a:extLst>
+          </p:cNvPr>
+          <p:cNvSpPr txBox="1"/>
+          <p:nvPr/>
+        </p:nvSpPr>
+        <p:spPr>
+          <a:xfrm>
+            <a:off x="439567" y="1166842"/>
+            <a:ext cx="11312865" cy="4524315"/>
+          </a:xfrm>
+          <a:prstGeom prst="rect">
+            <a:avLst/>
+          </a:prstGeom>
+          <a:noFill/>
+          <a:ln>
+            <a:solidFill>
+              <a:schemeClr val="tx1"/>
+            </a:solidFill>
+          </a:ln>
+        </p:spPr>
+        <p:txBody>
+          <a:bodyPr wrap="square" rtlCol="0">
+            <a:spAutoFit/>
+          </a:bodyPr>
+          <a:lstStyle/>
+          <a:p>
+            <a:r>
+              <a:rPr lang="bg" sz="1600" dirty="0"/>
+              <a:t>Експлойтът "нулев ден" (0</a:t>
+            </a:r>
+            <a:r>
+              <a:rPr lang="en-GB" sz="1600" dirty="0"/>
+              <a:t>day) </a:t>
+            </a:r>
+            <a:r>
+              <a:rPr lang="bg" sz="1600" dirty="0"/>
+              <a:t>е кибератака, насочена към софтуерна уязвимост, която не е известна на производителя на софтуера или на антивирусните програми. </a:t>
+            </a:r>
+          </a:p>
+          <a:p>
+            <a:endParaRPr lang="bg" sz="1600" dirty="0"/>
+          </a:p>
+          <a:p>
+            <a:r>
+              <a:rPr lang="bg" sz="1600" dirty="0"/>
+              <a:t>Атакуващият забелязва софтуерната уязвимост преди всички страни, които се интересуват от нейното ограничаване, </a:t>
+            </a:r>
+          </a:p>
+          <a:p>
+            <a:endParaRPr lang="bg" sz="1600" dirty="0"/>
+          </a:p>
+          <a:p>
+            <a:r>
+              <a:rPr lang="bg" sz="1600" dirty="0"/>
+              <a:t>бързо създава експлойт и го използва за атака. </a:t>
+            </a:r>
+          </a:p>
+          <a:p>
+            <a:endParaRPr lang="bg" sz="1600" dirty="0"/>
+          </a:p>
+          <a:p>
+            <a:r>
+              <a:rPr lang="bg" sz="1600" dirty="0"/>
+              <a:t>Вероятността за успех на такива атаки е голяма, тъй като липсват защитни механизми. Това прави атаките от типа "нулев ден" сериозна заплаха за сигурността.</a:t>
+            </a:r>
+          </a:p>
+          <a:p>
+            <a:endParaRPr lang="bg" sz="1600" dirty="0"/>
+          </a:p>
+          <a:p>
+            <a:r>
+              <a:rPr lang="bg" sz="1600" dirty="0"/>
+              <a:t>Типичните вектори на атака включват уеб браузъри, които са често срещани цели поради своята повсеместна употреба, и прикачени файлове към електронна поща, които използват уязвимости в приложението, отварящо прикачения файл, или в специфични типове файлове, като </a:t>
+            </a:r>
+            <a:r>
+              <a:rPr lang="en-GB" sz="1600" dirty="0"/>
+              <a:t>Word, Excel, PDF </a:t>
+            </a:r>
+            <a:r>
+              <a:rPr lang="bg" sz="1600" dirty="0"/>
+              <a:t>или </a:t>
+            </a:r>
+            <a:r>
+              <a:rPr lang="en-GB" sz="1600" dirty="0"/>
+              <a:t>Flash.</a:t>
+            </a:r>
+          </a:p>
+          <a:p>
+            <a:endParaRPr lang="en-GB" sz="1600" dirty="0"/>
+          </a:p>
+          <a:p>
+            <a:r>
+              <a:rPr lang="bg" sz="1600" dirty="0"/>
+              <a:t>Свързано с това понятие е зловреден софтуер от нулев ден - компютърен вирус, за който все още не са налични специфични сигнатури за антивирусен софтуер, така че антивирусният софтуер, базиран на сигнатури, не може да го спре.</a:t>
+            </a:r>
+          </a:p>
+          <a:p>
+            <a:endParaRPr lang="bg" sz="1600" dirty="0"/>
+          </a:p>
+          <a:p>
+            <a:endParaRPr lang="en-GB" sz="1600" dirty="0"/>
+          </a:p>
+        </p:txBody>
+      </p:sp>
+      <p:sp>
+        <p:nvSpPr>
+          <p:cNvPr id="5" name="TextBox 4">
+            <a:extLst>
+              <a:ext uri="{FF2B5EF4-FFF2-40B4-BE49-F238E27FC236}">
+                <a16:creationId xmlns:a16="http://schemas.microsoft.com/office/drawing/2014/main" id="{5720C526-928A-DA49-8778-81EBD8117E6A}"/>
+              </a:ext>
+            </a:extLst>
+          </p:cNvPr>
+          <p:cNvSpPr txBox="1"/>
+          <p:nvPr/>
+        </p:nvSpPr>
+        <p:spPr>
+          <a:xfrm>
+            <a:off x="439567" y="403582"/>
+            <a:ext cx="11312865" cy="369332"/>
+          </a:xfrm>
+          <a:prstGeom prst="rect">
+            <a:avLst/>
+          </a:prstGeom>
+          <a:noFill/>
+          <a:ln>
+            <a:solidFill>
+              <a:schemeClr val="tx1"/>
+            </a:solidFill>
+          </a:ln>
+        </p:spPr>
+        <p:txBody>
+          <a:bodyPr wrap="square" rtlCol="0">
+            <a:spAutoFit/>
+          </a:bodyPr>
+          <a:lstStyle/>
+          <a:p>
+            <a:r>
+              <a:rPr lang="bg-BG" dirty="0"/>
+              <a:t>Какво е </a:t>
+            </a:r>
+            <a:r>
+              <a:rPr lang="bg-BG" dirty="0" err="1"/>
+              <a:t>експлойт</a:t>
+            </a:r>
+            <a:r>
+              <a:rPr lang="bg-BG" dirty="0"/>
+              <a:t> нулев ден (0</a:t>
+            </a:r>
+            <a:r>
+              <a:rPr lang="en-GB" dirty="0"/>
+              <a:t>day)</a:t>
+            </a:r>
+            <a:r>
+              <a:rPr lang="bg-BG" dirty="0"/>
+              <a:t>?</a:t>
+            </a:r>
+            <a:endParaRPr lang="en-GB" dirty="0"/>
+          </a:p>
+        </p:txBody>
+      </p:sp>
+      <p:sp>
+        <p:nvSpPr>
+          <p:cNvPr id="6" name="TextBox 5">
+            <a:extLst>
+              <a:ext uri="{FF2B5EF4-FFF2-40B4-BE49-F238E27FC236}">
+                <a16:creationId xmlns:a16="http://schemas.microsoft.com/office/drawing/2014/main" id="{DFDEB6CA-447A-E941-BC2B-DF21257C3715}"/>
+              </a:ext>
+            </a:extLst>
+          </p:cNvPr>
+          <p:cNvSpPr txBox="1"/>
+          <p:nvPr/>
+        </p:nvSpPr>
+        <p:spPr>
+          <a:xfrm>
+            <a:off x="439567" y="5966812"/>
+            <a:ext cx="11312865" cy="400110"/>
+          </a:xfrm>
+          <a:prstGeom prst="rect">
+            <a:avLst/>
+          </a:prstGeom>
+          <a:noFill/>
+          <a:ln>
+            <a:solidFill>
+              <a:schemeClr val="tx1"/>
+            </a:solidFill>
+          </a:ln>
+        </p:spPr>
+        <p:txBody>
+          <a:bodyPr wrap="square" rtlCol="0">
+            <a:spAutoFit/>
+          </a:bodyPr>
+          <a:lstStyle/>
+          <a:p>
+            <a:r>
+              <a:rPr lang="bg-BG" sz="1000" dirty="0"/>
+              <a:t>Референции:</a:t>
+            </a:r>
+          </a:p>
+          <a:p>
+            <a:r>
+              <a:rPr lang="en-GB" sz="1000" dirty="0"/>
+              <a:t>https://</a:t>
+            </a:r>
+            <a:r>
+              <a:rPr lang="en-GB" sz="1000" dirty="0" err="1"/>
+              <a:t>www.imperva.com</a:t>
+            </a:r>
+            <a:r>
+              <a:rPr lang="en-GB" sz="1000" dirty="0"/>
+              <a:t>/learn/application-security/zero-day-exploit/</a:t>
+            </a:r>
+          </a:p>
+        </p:txBody>
+      </p:sp>
+    </p:spTree>
+    <p:extLst>
+      <p:ext uri="{BB962C8B-B14F-4D97-AF65-F5344CB8AC3E}">
+        <p14:creationId xmlns:p14="http://schemas.microsoft.com/office/powerpoint/2010/main" val="3528766535"/>
+      </p:ext>
+    </p:extLst>
+  </p:cSld>
+  <p:clrMapOvr>
+    <a:masterClrMapping/>
+  </p:clrMapOvr>
+</p:sld>
+</file>
+
+<file path=ppt/slides/slide3.xml><?xml version="1.0" encoding="utf-8"?>
+<p:sld xmlns:a="http://schemas.openxmlformats.org/drawingml/2006/main" xmlns:r="http://schemas.openxmlformats.org/officeDocument/2006/relationships" xmlns:p="http://schemas.openxmlformats.org/presentationml/2006/main">
+  <p:cSld>
+    <p:spTree>
+      <p:nvGrpSpPr>
+        <p:cNvPr id="1" name=""/>
+        <p:cNvGrpSpPr/>
+        <p:nvPr/>
+      </p:nvGrpSpPr>
+      <p:grpSpPr>
+        <a:xfrm>
+          <a:off x="0" y="0"/>
+          <a:ext cx="0" cy="0"/>
+          <a:chOff x="0" y="0"/>
+          <a:chExt cx="0" cy="0"/>
+        </a:xfrm>
+      </p:grpSpPr>
+      <p:sp>
+        <p:nvSpPr>
+          <p:cNvPr id="4" name="TextBox 3">
+            <a:extLst>
+              <a:ext uri="{FF2B5EF4-FFF2-40B4-BE49-F238E27FC236}">
+                <a16:creationId xmlns:a16="http://schemas.microsoft.com/office/drawing/2014/main" id="{8E2B26D2-60F4-E64D-B3E1-67962DF01FD8}"/>
+              </a:ext>
+            </a:extLst>
+          </p:cNvPr>
+          <p:cNvSpPr txBox="1"/>
+          <p:nvPr/>
+        </p:nvSpPr>
+        <p:spPr>
+          <a:xfrm>
+            <a:off x="439567" y="1166842"/>
+            <a:ext cx="11312865" cy="1815882"/>
+          </a:xfrm>
+          <a:prstGeom prst="rect">
+            <a:avLst/>
+          </a:prstGeom>
+          <a:noFill/>
+          <a:ln>
+            <a:solidFill>
+              <a:schemeClr val="tx1"/>
+            </a:solidFill>
+          </a:ln>
+        </p:spPr>
+        <p:txBody>
+          <a:bodyPr wrap="square" rtlCol="0">
+            <a:spAutoFit/>
+          </a:bodyPr>
+          <a:lstStyle/>
+          <a:p>
+            <a:r>
+              <a:rPr lang="bg" sz="1600" dirty="0"/>
+              <a:t>Експлойтът от нулев ден е, когато хакерите се възползват от недостатък в сигурността на софтуера, за да извършат кибератака. Този недостатък в сигурността е известен само на хакерите, което означава, че разработчиците на софтуер нямат представа за съществуването му и нямат кръпка, която да го отстрани. </a:t>
+            </a:r>
+          </a:p>
+          <a:p>
+            <a:endParaRPr lang="bg" sz="1600" dirty="0"/>
+          </a:p>
+          <a:p>
+            <a:r>
+              <a:rPr lang="bg" sz="1600" dirty="0"/>
+              <a:t>Ето защо, когато бъде открита атака от типа "нулев ден", тя трябва да бъде ограничена незабавно. С други думи, има "нула дни" за отстраняване на уязвимостта, защото тя вече е била използвана. </a:t>
+            </a:r>
+          </a:p>
+          <a:p>
+            <a:endParaRPr lang="en-GB" sz="1600" dirty="0"/>
+          </a:p>
+        </p:txBody>
+      </p:sp>
+      <p:sp>
+        <p:nvSpPr>
+          <p:cNvPr id="5" name="TextBox 4">
+            <a:extLst>
+              <a:ext uri="{FF2B5EF4-FFF2-40B4-BE49-F238E27FC236}">
+                <a16:creationId xmlns:a16="http://schemas.microsoft.com/office/drawing/2014/main" id="{5720C526-928A-DA49-8778-81EBD8117E6A}"/>
+              </a:ext>
+            </a:extLst>
+          </p:cNvPr>
+          <p:cNvSpPr txBox="1"/>
+          <p:nvPr/>
+        </p:nvSpPr>
+        <p:spPr>
+          <a:xfrm>
+            <a:off x="439567" y="403582"/>
+            <a:ext cx="11312865" cy="369332"/>
+          </a:xfrm>
+          <a:prstGeom prst="rect">
+            <a:avLst/>
+          </a:prstGeom>
+          <a:noFill/>
+          <a:ln>
+            <a:solidFill>
+              <a:schemeClr val="tx1"/>
+            </a:solidFill>
+          </a:ln>
+        </p:spPr>
+        <p:txBody>
+          <a:bodyPr wrap="square" rtlCol="0">
+            <a:spAutoFit/>
+          </a:bodyPr>
+          <a:lstStyle/>
+          <a:p>
+            <a:r>
+              <a:rPr lang="bg-BG" dirty="0"/>
+              <a:t>Какво е </a:t>
+            </a:r>
+            <a:r>
+              <a:rPr lang="bg-BG" dirty="0" err="1"/>
+              <a:t>експлойт</a:t>
+            </a:r>
+            <a:r>
+              <a:rPr lang="bg-BG" dirty="0"/>
+              <a:t> нулев ден (0</a:t>
+            </a:r>
+            <a:r>
+              <a:rPr lang="en-GB" dirty="0"/>
+              <a:t>day)</a:t>
+            </a:r>
+            <a:r>
+              <a:rPr lang="bg-BG" dirty="0"/>
+              <a:t>?</a:t>
+            </a:r>
+            <a:endParaRPr lang="en-GB" dirty="0"/>
+          </a:p>
+        </p:txBody>
+      </p:sp>
+      <p:sp>
+        <p:nvSpPr>
+          <p:cNvPr id="6" name="TextBox 5">
+            <a:extLst>
+              <a:ext uri="{FF2B5EF4-FFF2-40B4-BE49-F238E27FC236}">
+                <a16:creationId xmlns:a16="http://schemas.microsoft.com/office/drawing/2014/main" id="{DFDEB6CA-447A-E941-BC2B-DF21257C3715}"/>
+              </a:ext>
+            </a:extLst>
+          </p:cNvPr>
+          <p:cNvSpPr txBox="1"/>
+          <p:nvPr/>
+        </p:nvSpPr>
+        <p:spPr>
+          <a:xfrm>
+            <a:off x="439567" y="5966812"/>
+            <a:ext cx="11312865" cy="400110"/>
+          </a:xfrm>
+          <a:prstGeom prst="rect">
+            <a:avLst/>
+          </a:prstGeom>
+          <a:noFill/>
+          <a:ln>
+            <a:solidFill>
+              <a:schemeClr val="tx1"/>
+            </a:solidFill>
+          </a:ln>
+        </p:spPr>
+        <p:txBody>
+          <a:bodyPr wrap="square" rtlCol="0">
+            <a:spAutoFit/>
+          </a:bodyPr>
+          <a:lstStyle/>
+          <a:p>
+            <a:r>
+              <a:rPr lang="bg-BG" sz="1000" dirty="0"/>
+              <a:t>Референции:</a:t>
+            </a:r>
+          </a:p>
+          <a:p>
+            <a:r>
+              <a:rPr lang="en-GB" sz="1000" dirty="0"/>
+              <a:t>https://</a:t>
+            </a:r>
+            <a:r>
+              <a:rPr lang="en-GB" sz="1000" dirty="0" err="1"/>
+              <a:t>us.norton.com</a:t>
+            </a:r>
+            <a:r>
+              <a:rPr lang="en-GB" sz="1000" dirty="0"/>
+              <a:t>/internetsecurity-emerging-threats-how-do-zero-day-vulnerabilities-work.html#</a:t>
+            </a:r>
+          </a:p>
+        </p:txBody>
+      </p:sp>
+    </p:spTree>
+    <p:extLst>
+      <p:ext uri="{BB962C8B-B14F-4D97-AF65-F5344CB8AC3E}">
+        <p14:creationId xmlns:p14="http://schemas.microsoft.com/office/powerpoint/2010/main" val="1042909306"/>
+      </p:ext>
+    </p:extLst>
+  </p:cSld>
+  <p:clrMapOvr>
+    <a:masterClrMapping/>
+  </p:clrMapOvr>
+</p:sld>
+</file>
+
+<file path=ppt/slides/slide4.xml><?xml version="1.0" encoding="utf-8"?>
+<p:sld xmlns:a="http://schemas.openxmlformats.org/drawingml/2006/main" xmlns:r="http://schemas.openxmlformats.org/officeDocument/2006/relationships" xmlns:p="http://schemas.openxmlformats.org/presentationml/2006/main">
+  <p:cSld>
+    <p:spTree>
+      <p:nvGrpSpPr>
+        <p:cNvPr id="1" name=""/>
+        <p:cNvGrpSpPr/>
+        <p:nvPr/>
+      </p:nvGrpSpPr>
+      <p:grpSpPr>
+        <a:xfrm>
+          <a:off x="0" y="0"/>
+          <a:ext cx="0" cy="0"/>
+          <a:chOff x="0" y="0"/>
+          <a:chExt cx="0" cy="0"/>
+        </a:xfrm>
+      </p:grpSpPr>
+      <p:sp>
+        <p:nvSpPr>
+          <p:cNvPr id="4" name="TextBox 3">
+            <a:extLst>
+              <a:ext uri="{FF2B5EF4-FFF2-40B4-BE49-F238E27FC236}">
+                <a16:creationId xmlns:a16="http://schemas.microsoft.com/office/drawing/2014/main" id="{8E2B26D2-60F4-E64D-B3E1-67962DF01FD8}"/>
+              </a:ext>
+            </a:extLst>
+          </p:cNvPr>
+          <p:cNvSpPr txBox="1"/>
+          <p:nvPr/>
+        </p:nvSpPr>
+        <p:spPr>
+          <a:xfrm>
+            <a:off x="439567" y="1166842"/>
+            <a:ext cx="11312865" cy="954107"/>
+          </a:xfrm>
+          <a:prstGeom prst="rect">
+            <a:avLst/>
+          </a:prstGeom>
+          <a:noFill/>
+          <a:ln>
+            <a:solidFill>
+              <a:schemeClr val="tx1"/>
+            </a:solidFill>
+          </a:ln>
+        </p:spPr>
+        <p:txBody>
+          <a:bodyPr wrap="square" numCol="2" rtlCol="0">
+            <a:spAutoFit/>
+          </a:bodyPr>
+          <a:lstStyle/>
+          <a:p>
+            <a:r>
+              <a:rPr lang="en-GB" sz="800" dirty="0">
+                <a:hlinkClick r:id="rId2"/>
+              </a:rPr>
+              <a:t>https://www.imperva.com/learn/application-security/zero-day-exploit/</a:t>
+            </a:r>
+            <a:endParaRPr lang="bg-BG" sz="800" dirty="0"/>
+          </a:p>
+          <a:p>
+            <a:endParaRPr lang="en-GB" sz="800" dirty="0"/>
+          </a:p>
+          <a:p>
+            <a:r>
+              <a:rPr lang="en-GB" sz="800" dirty="0">
+                <a:hlinkClick r:id="rId3"/>
+              </a:rPr>
+              <a:t>https://us.norton.com/internetsecurity-emerging-threats-how-do-zero-day-vulnerabilities-work.html#</a:t>
+            </a:r>
+            <a:endParaRPr lang="bg-BG" sz="800" dirty="0"/>
+          </a:p>
+          <a:p>
+            <a:endParaRPr lang="bg-BG" sz="800" dirty="0"/>
+          </a:p>
+          <a:p>
+            <a:endParaRPr lang="bg-BG" sz="800" dirty="0"/>
+          </a:p>
+          <a:p>
+            <a:endParaRPr lang="en-GB" sz="800" dirty="0"/>
+          </a:p>
+          <a:p>
+            <a:endParaRPr lang="en-GB" sz="800" dirty="0"/>
+          </a:p>
+        </p:txBody>
+      </p:sp>
+      <p:sp>
+        <p:nvSpPr>
+          <p:cNvPr id="5" name="TextBox 4">
+            <a:extLst>
+              <a:ext uri="{FF2B5EF4-FFF2-40B4-BE49-F238E27FC236}">
+                <a16:creationId xmlns:a16="http://schemas.microsoft.com/office/drawing/2014/main" id="{5720C526-928A-DA49-8778-81EBD8117E6A}"/>
+              </a:ext>
+            </a:extLst>
+          </p:cNvPr>
+          <p:cNvSpPr txBox="1"/>
+          <p:nvPr/>
+        </p:nvSpPr>
+        <p:spPr>
+          <a:xfrm>
+            <a:off x="439567" y="403582"/>
+            <a:ext cx="11312865" cy="369332"/>
+          </a:xfrm>
+          <a:prstGeom prst="rect">
+            <a:avLst/>
+          </a:prstGeom>
+          <a:noFill/>
+          <a:ln>
+            <a:solidFill>
+              <a:schemeClr val="tx1"/>
+            </a:solidFill>
+          </a:ln>
+        </p:spPr>
+        <p:txBody>
+          <a:bodyPr wrap="square" rtlCol="0">
+            <a:spAutoFit/>
+          </a:bodyPr>
+          <a:lstStyle/>
+          <a:p>
+            <a:r>
+              <a:rPr lang="bg-BG" dirty="0"/>
+              <a:t>Списък с референции</a:t>
+            </a:r>
+            <a:endParaRPr lang="en-GB" dirty="0"/>
+          </a:p>
+        </p:txBody>
+      </p:sp>
+    </p:spTree>
+    <p:extLst>
+      <p:ext uri="{BB962C8B-B14F-4D97-AF65-F5344CB8AC3E}">
+        <p14:creationId xmlns:p14="http://schemas.microsoft.com/office/powerpoint/2010/main" val="800434154"/>
+      </p:ext>
+    </p:extLst>
+  </p:cSld>
+  <p:clrMapOvr>
+    <a:masterClrMapping/>
+  </p:clrMapOvr>
+</p:sld>
+</file>
+
+<file path=ppt/slides/slide5.xml><?xml version="1.0" encoding="utf-8"?>
+<p:sld xmlns:a="http://schemas.openxmlformats.org/drawingml/2006/main" xmlns:r="http://schemas.openxmlformats.org/officeDocument/2006/relationships" xmlns:p="http://schemas.openxmlformats.org/presentationml/2006/main">
+  <p:cSld>
+    <p:spTree>
+      <p:nvGrpSpPr>
+        <p:cNvPr id="1" name=""/>
+        <p:cNvGrpSpPr/>
+        <p:nvPr/>
+      </p:nvGrpSpPr>
+      <p:grpSpPr>
+        <a:xfrm>
+          <a:off x="0" y="0"/>
+          <a:ext cx="0" cy="0"/>
+          <a:chOff x="0" y="0"/>
+          <a:chExt cx="0" cy="0"/>
+        </a:xfrm>
+      </p:grpSpPr>
+    </p:spTree>
+    <p:extLst>
+      <p:ext uri="{BB962C8B-B14F-4D97-AF65-F5344CB8AC3E}">
+        <p14:creationId xmlns:p14="http://schemas.microsoft.com/office/powerpoint/2010/main" val="3525826451"/>
+      </p:ext>
+    </p:extLst>
+  </p:cSld>
+  <p:clrMapOvr>
+    <a:masterClrMapping/>
+  </p:clrMapOvr>
+</p:sld>
+</file>
+
+<file path=ppt/slides/slide6.xml><?xml version="1.0" encoding="utf-8"?>
+<p:sld xmlns:a="http://schemas.openxmlformats.org/drawingml/2006/main" xmlns:r="http://schemas.openxmlformats.org/officeDocument/2006/relationships" xmlns:p="http://schemas.openxmlformats.org/presentationml/2006/main">
+  <p:cSld>
+    <p:spTree>
+      <p:nvGrpSpPr>
+        <p:cNvPr id="1" name=""/>
+        <p:cNvGrpSpPr/>
+        <p:nvPr/>
+      </p:nvGrpSpPr>
+      <p:grpSpPr>
+        <a:xfrm>
+          <a:off x="0" y="0"/>
+          <a:ext cx="0" cy="0"/>
+          <a:chOff x="0" y="0"/>
+          <a:chExt cx="0" cy="0"/>
+        </a:xfrm>
+      </p:grpSpPr>
+      <p:sp>
+        <p:nvSpPr>
+          <p:cNvPr id="2" name="Title 1">
+            <a:extLst>
+              <a:ext uri="{FF2B5EF4-FFF2-40B4-BE49-F238E27FC236}">
+                <a16:creationId xmlns:a16="http://schemas.microsoft.com/office/drawing/2014/main" id="{97540B52-23F4-6E46-8627-A44D941BDBC8}"/>
+              </a:ext>
+            </a:extLst>
+          </p:cNvPr>
+          <p:cNvSpPr>
+            <a:spLocks noGrp="1"/>
+          </p:cNvSpPr>
+          <p:nvPr>
+            <p:ph type="ctrTitle"/>
+          </p:nvPr>
+        </p:nvSpPr>
+        <p:spPr/>
+        <p:txBody>
+          <a:bodyPr/>
+          <a:lstStyle/>
+          <a:p>
+            <a:endParaRPr lang="en-GB"/>
+          </a:p>
+        </p:txBody>
+      </p:sp>
+      <p:sp>
+        <p:nvSpPr>
+          <p:cNvPr id="3" name="Subtitle 2">
+            <a:extLst>
+              <a:ext uri="{FF2B5EF4-FFF2-40B4-BE49-F238E27FC236}">
+                <a16:creationId xmlns:a16="http://schemas.microsoft.com/office/drawing/2014/main" id="{F734B3AE-7C98-0D43-8D56-97A09CB779D4}"/>
+              </a:ext>
+            </a:extLst>
+          </p:cNvPr>
+          <p:cNvSpPr>
+            <a:spLocks noGrp="1"/>
+          </p:cNvSpPr>
+          <p:nvPr>
+            <p:ph type="subTitle" idx="1"/>
+          </p:nvPr>
+        </p:nvSpPr>
+        <p:spPr/>
+        <p:txBody>
+          <a:bodyPr/>
+          <a:lstStyle/>
+          <a:p>
+            <a:endParaRPr lang="en-GB"/>
+          </a:p>
+        </p:txBody>
+      </p:sp>
+    </p:spTree>
+    <p:extLst>
+      <p:ext uri="{BB962C8B-B14F-4D97-AF65-F5344CB8AC3E}">
+        <p14:creationId xmlns:p14="http://schemas.microsoft.com/office/powerpoint/2010/main" val="1205255253"/>
       </p:ext>
     </p:extLst>
   </p:cSld>

--- a/sctm146-proekt-unrvk-1.pptx
+++ b/sctm146-proekt-unrvk-1.pptx
@@ -10,7 +10,8 @@
     <p:sldId id="264" r:id="rId4"/>
     <p:sldId id="265" r:id="rId5"/>
     <p:sldId id="258" r:id="rId6"/>
-    <p:sldId id="262" r:id="rId7"/>
+    <p:sldId id="266" r:id="rId7"/>
+    <p:sldId id="262" r:id="rId8"/>
   </p:sldIdLst>
   <p:sldSz cx="12192000" cy="6858000"/>
   <p:notesSz cx="6858000" cy="9144000"/>
@@ -3727,7 +3728,7 @@
         <p:spPr>
           <a:xfrm>
             <a:off x="439567" y="1166842"/>
-            <a:ext cx="11312865" cy="1815882"/>
+            <a:ext cx="6429769" cy="2554545"/>
           </a:xfrm>
           <a:prstGeom prst="rect">
             <a:avLst/>
@@ -3875,6 +3876,36 @@
           </a:p>
         </p:txBody>
       </p:sp>
+      <p:pic>
+        <p:nvPicPr>
+          <p:cNvPr id="3" name="Picture 2" descr="Graphical user interface, application&#10;&#10;Description automatically generated">
+            <a:extLst>
+              <a:ext uri="{FF2B5EF4-FFF2-40B4-BE49-F238E27FC236}">
+                <a16:creationId xmlns:a16="http://schemas.microsoft.com/office/drawing/2014/main" id="{64155506-8A91-584B-8CD4-0ADE5D8E2DEC}"/>
+              </a:ext>
+            </a:extLst>
+          </p:cNvPr>
+          <p:cNvPicPr>
+            <a:picLocks noChangeAspect="1"/>
+          </p:cNvPicPr>
+          <p:nvPr/>
+        </p:nvPicPr>
+        <p:blipFill>
+          <a:blip r:embed="rId2"/>
+          <a:stretch>
+            <a:fillRect/>
+          </a:stretch>
+        </p:blipFill>
+        <p:spPr>
+          <a:xfrm>
+            <a:off x="7451227" y="1166842"/>
+            <a:ext cx="4089463" cy="3798705"/>
+          </a:xfrm>
+          <a:prstGeom prst="rect">
+            <a:avLst/>
+          </a:prstGeom>
+        </p:spPr>
+      </p:pic>
     </p:spTree>
     <p:extLst>
       <p:ext uri="{BB962C8B-B14F-4D97-AF65-F5344CB8AC3E}">
@@ -4043,6 +4074,372 @@
           <a:chExt cx="0" cy="0"/>
         </a:xfrm>
       </p:grpSpPr>
+      <p:sp>
+        <p:nvSpPr>
+          <p:cNvPr id="4" name="Rectangle 3">
+            <a:extLst>
+              <a:ext uri="{FF2B5EF4-FFF2-40B4-BE49-F238E27FC236}">
+                <a16:creationId xmlns:a16="http://schemas.microsoft.com/office/drawing/2014/main" id="{CF8BCCF9-8A09-4548-9D81-3F19262CD326}"/>
+              </a:ext>
+            </a:extLst>
+          </p:cNvPr>
+          <p:cNvSpPr/>
+          <p:nvPr/>
+        </p:nvSpPr>
+        <p:spPr>
+          <a:xfrm>
+            <a:off x="365256" y="317395"/>
+            <a:ext cx="11509348" cy="528992"/>
+          </a:xfrm>
+          <a:prstGeom prst="rect">
+            <a:avLst/>
+          </a:prstGeom>
+          <a:noFill/>
+          <a:ln>
+            <a:solidFill>
+              <a:schemeClr val="tx1"/>
+            </a:solidFill>
+          </a:ln>
+        </p:spPr>
+        <p:style>
+          <a:lnRef idx="2">
+            <a:schemeClr val="accent6"/>
+          </a:lnRef>
+          <a:fillRef idx="1">
+            <a:schemeClr val="lt1"/>
+          </a:fillRef>
+          <a:effectRef idx="0">
+            <a:schemeClr val="accent6"/>
+          </a:effectRef>
+          <a:fontRef idx="minor">
+            <a:schemeClr val="dk1"/>
+          </a:fontRef>
+        </p:style>
+        <p:txBody>
+          <a:bodyPr rtlCol="0" anchor="ctr"/>
+          <a:lstStyle/>
+          <a:p>
+            <a:pPr algn="ctr"/>
+            <a:endParaRPr lang="en-GB"/>
+          </a:p>
+        </p:txBody>
+      </p:sp>
+      <p:sp>
+        <p:nvSpPr>
+          <p:cNvPr id="6" name="Rectangle 5">
+            <a:extLst>
+              <a:ext uri="{FF2B5EF4-FFF2-40B4-BE49-F238E27FC236}">
+                <a16:creationId xmlns:a16="http://schemas.microsoft.com/office/drawing/2014/main" id="{674060E9-ADD7-5340-9708-92DFAE845D40}"/>
+              </a:ext>
+            </a:extLst>
+          </p:cNvPr>
+          <p:cNvSpPr/>
+          <p:nvPr/>
+        </p:nvSpPr>
+        <p:spPr>
+          <a:xfrm>
+            <a:off x="365256" y="1111178"/>
+            <a:ext cx="11509348" cy="4635643"/>
+          </a:xfrm>
+          <a:prstGeom prst="rect">
+            <a:avLst/>
+          </a:prstGeom>
+          <a:noFill/>
+          <a:ln>
+            <a:solidFill>
+              <a:schemeClr val="tx1"/>
+            </a:solidFill>
+          </a:ln>
+        </p:spPr>
+        <p:style>
+          <a:lnRef idx="2">
+            <a:schemeClr val="accent6"/>
+          </a:lnRef>
+          <a:fillRef idx="1">
+            <a:schemeClr val="lt1"/>
+          </a:fillRef>
+          <a:effectRef idx="0">
+            <a:schemeClr val="accent6"/>
+          </a:effectRef>
+          <a:fontRef idx="minor">
+            <a:schemeClr val="dk1"/>
+          </a:fontRef>
+        </p:style>
+        <p:txBody>
+          <a:bodyPr rtlCol="0" anchor="ctr"/>
+          <a:lstStyle/>
+          <a:p>
+            <a:pPr algn="ctr"/>
+            <a:endParaRPr lang="en-GB"/>
+          </a:p>
+        </p:txBody>
+      </p:sp>
+      <p:sp>
+        <p:nvSpPr>
+          <p:cNvPr id="7" name="Rectangle 6">
+            <a:extLst>
+              <a:ext uri="{FF2B5EF4-FFF2-40B4-BE49-F238E27FC236}">
+                <a16:creationId xmlns:a16="http://schemas.microsoft.com/office/drawing/2014/main" id="{CB0AEC85-DDEC-A948-89DB-C29E427A1882}"/>
+              </a:ext>
+            </a:extLst>
+          </p:cNvPr>
+          <p:cNvSpPr/>
+          <p:nvPr/>
+        </p:nvSpPr>
+        <p:spPr>
+          <a:xfrm>
+            <a:off x="365256" y="6011613"/>
+            <a:ext cx="11509348" cy="528992"/>
+          </a:xfrm>
+          <a:prstGeom prst="rect">
+            <a:avLst/>
+          </a:prstGeom>
+          <a:noFill/>
+          <a:ln>
+            <a:solidFill>
+              <a:schemeClr val="tx1"/>
+            </a:solidFill>
+          </a:ln>
+        </p:spPr>
+        <p:style>
+          <a:lnRef idx="2">
+            <a:schemeClr val="accent6"/>
+          </a:lnRef>
+          <a:fillRef idx="1">
+            <a:schemeClr val="lt1"/>
+          </a:fillRef>
+          <a:effectRef idx="0">
+            <a:schemeClr val="accent6"/>
+          </a:effectRef>
+          <a:fontRef idx="minor">
+            <a:schemeClr val="dk1"/>
+          </a:fontRef>
+        </p:style>
+        <p:txBody>
+          <a:bodyPr rtlCol="0" anchor="ctr"/>
+          <a:lstStyle/>
+          <a:p>
+            <a:pPr algn="ctr"/>
+            <a:endParaRPr lang="en-GB"/>
+          </a:p>
+        </p:txBody>
+      </p:sp>
+      <p:sp>
+        <p:nvSpPr>
+          <p:cNvPr id="12" name="TextBox 11">
+            <a:extLst>
+              <a:ext uri="{FF2B5EF4-FFF2-40B4-BE49-F238E27FC236}">
+                <a16:creationId xmlns:a16="http://schemas.microsoft.com/office/drawing/2014/main" id="{358E67CA-3C95-FF40-86BC-C555D6D7696D}"/>
+              </a:ext>
+            </a:extLst>
+          </p:cNvPr>
+          <p:cNvSpPr txBox="1"/>
+          <p:nvPr/>
+        </p:nvSpPr>
+        <p:spPr>
+          <a:xfrm>
+            <a:off x="439567" y="1166842"/>
+            <a:ext cx="11312865" cy="4524315"/>
+          </a:xfrm>
+          <a:prstGeom prst="rect">
+            <a:avLst/>
+          </a:prstGeom>
+          <a:noFill/>
+          <a:ln>
+            <a:noFill/>
+          </a:ln>
+        </p:spPr>
+        <p:txBody>
+          <a:bodyPr wrap="square" rtlCol="0">
+            <a:spAutoFit/>
+          </a:bodyPr>
+          <a:lstStyle/>
+          <a:p>
+            <a:r>
+              <a:rPr lang="bg" sz="1600" dirty="0"/>
+              <a:t>Експлойтът "нулев ден" (0</a:t>
+            </a:r>
+            <a:r>
+              <a:rPr lang="en-GB" sz="1600" dirty="0"/>
+              <a:t>day) </a:t>
+            </a:r>
+            <a:r>
+              <a:rPr lang="bg" sz="1600" dirty="0"/>
+              <a:t>е кибератака, насочена към софтуерна уязвимост, която не е известна на производителя на софтуера или на антивирусните програми. </a:t>
+            </a:r>
+          </a:p>
+          <a:p>
+            <a:endParaRPr lang="bg" sz="1600" dirty="0"/>
+          </a:p>
+          <a:p>
+            <a:r>
+              <a:rPr lang="bg" sz="1600" dirty="0"/>
+              <a:t>Атакуващият забелязва софтуерната уязвимост преди всички страни, които се интересуват от нейното ограничаване, </a:t>
+            </a:r>
+          </a:p>
+          <a:p>
+            <a:endParaRPr lang="bg" sz="1600" dirty="0"/>
+          </a:p>
+          <a:p>
+            <a:r>
+              <a:rPr lang="bg" sz="1600" dirty="0"/>
+              <a:t>бързо създава експлойт и го използва за атака. </a:t>
+            </a:r>
+          </a:p>
+          <a:p>
+            <a:endParaRPr lang="bg" sz="1600" dirty="0"/>
+          </a:p>
+          <a:p>
+            <a:r>
+              <a:rPr lang="bg" sz="1600" dirty="0"/>
+              <a:t>Вероятността за успех на такива атаки е голяма, тъй като липсват защитни механизми. Това прави атаките от типа "нулев ден" сериозна заплаха за сигурността.</a:t>
+            </a:r>
+          </a:p>
+          <a:p>
+            <a:endParaRPr lang="bg" sz="1600" dirty="0"/>
+          </a:p>
+          <a:p>
+            <a:r>
+              <a:rPr lang="bg" sz="1600" dirty="0"/>
+              <a:t>Типичните вектори на атака включват уеб браузъри, които са често срещани цели поради своята повсеместна употреба, и прикачени файлове към електронна поща, които използват уязвимости в приложението, отварящо прикачения файл, или в специфични типове файлове, като </a:t>
+            </a:r>
+            <a:r>
+              <a:rPr lang="en-GB" sz="1600" dirty="0"/>
+              <a:t>Word, Excel, PDF </a:t>
+            </a:r>
+            <a:r>
+              <a:rPr lang="bg" sz="1600" dirty="0"/>
+              <a:t>или </a:t>
+            </a:r>
+            <a:r>
+              <a:rPr lang="en-GB" sz="1600" dirty="0"/>
+              <a:t>Flash.</a:t>
+            </a:r>
+          </a:p>
+          <a:p>
+            <a:endParaRPr lang="en-GB" sz="1600" dirty="0"/>
+          </a:p>
+          <a:p>
+            <a:r>
+              <a:rPr lang="bg" sz="1600" dirty="0"/>
+              <a:t>Свързано с това понятие е зловреден софтуер от нулев ден - компютърен вирус, за който все още не са налични специфични сигнатури за антивирусен софтуер, така че антивирусният софтуер, базиран на сигнатури, не може да го спре.</a:t>
+            </a:r>
+          </a:p>
+          <a:p>
+            <a:endParaRPr lang="bg" sz="1600" dirty="0"/>
+          </a:p>
+          <a:p>
+            <a:endParaRPr lang="en-GB" sz="1600" dirty="0"/>
+          </a:p>
+        </p:txBody>
+      </p:sp>
+      <p:sp>
+        <p:nvSpPr>
+          <p:cNvPr id="13" name="TextBox 12">
+            <a:extLst>
+              <a:ext uri="{FF2B5EF4-FFF2-40B4-BE49-F238E27FC236}">
+                <a16:creationId xmlns:a16="http://schemas.microsoft.com/office/drawing/2014/main" id="{BE8C7B30-2EF9-0D42-A9F7-F7F0FB34FC17}"/>
+              </a:ext>
+            </a:extLst>
+          </p:cNvPr>
+          <p:cNvSpPr txBox="1"/>
+          <p:nvPr/>
+        </p:nvSpPr>
+        <p:spPr>
+          <a:xfrm>
+            <a:off x="439567" y="403582"/>
+            <a:ext cx="11312865" cy="369332"/>
+          </a:xfrm>
+          <a:prstGeom prst="rect">
+            <a:avLst/>
+          </a:prstGeom>
+          <a:noFill/>
+          <a:ln>
+            <a:noFill/>
+          </a:ln>
+        </p:spPr>
+        <p:txBody>
+          <a:bodyPr wrap="square" rtlCol="0">
+            <a:spAutoFit/>
+          </a:bodyPr>
+          <a:lstStyle/>
+          <a:p>
+            <a:r>
+              <a:rPr lang="bg-BG" dirty="0"/>
+              <a:t>Какво е </a:t>
+            </a:r>
+            <a:r>
+              <a:rPr lang="bg-BG" dirty="0" err="1"/>
+              <a:t>експлойт</a:t>
+            </a:r>
+            <a:r>
+              <a:rPr lang="bg-BG" dirty="0"/>
+              <a:t> нулев ден (0</a:t>
+            </a:r>
+            <a:r>
+              <a:rPr lang="en-GB" dirty="0"/>
+              <a:t>day)</a:t>
+            </a:r>
+            <a:r>
+              <a:rPr lang="bg-BG" dirty="0"/>
+              <a:t>?</a:t>
+            </a:r>
+            <a:endParaRPr lang="en-GB" dirty="0"/>
+          </a:p>
+        </p:txBody>
+      </p:sp>
+      <p:sp>
+        <p:nvSpPr>
+          <p:cNvPr id="14" name="TextBox 13">
+            <a:extLst>
+              <a:ext uri="{FF2B5EF4-FFF2-40B4-BE49-F238E27FC236}">
+                <a16:creationId xmlns:a16="http://schemas.microsoft.com/office/drawing/2014/main" id="{56F4395D-8828-CB4F-B838-1D52E03C8F76}"/>
+              </a:ext>
+            </a:extLst>
+          </p:cNvPr>
+          <p:cNvSpPr txBox="1"/>
+          <p:nvPr/>
+        </p:nvSpPr>
+        <p:spPr>
+          <a:xfrm>
+            <a:off x="439566" y="6054308"/>
+            <a:ext cx="11312865" cy="400110"/>
+          </a:xfrm>
+          <a:prstGeom prst="rect">
+            <a:avLst/>
+          </a:prstGeom>
+          <a:noFill/>
+          <a:ln>
+            <a:noFill/>
+          </a:ln>
+        </p:spPr>
+        <p:txBody>
+          <a:bodyPr wrap="square" rtlCol="0">
+            <a:spAutoFit/>
+          </a:bodyPr>
+          <a:lstStyle/>
+          <a:p>
+            <a:r>
+              <a:rPr lang="bg-BG" sz="1000" dirty="0"/>
+              <a:t>Референции:</a:t>
+            </a:r>
+          </a:p>
+          <a:p>
+            <a:r>
+              <a:rPr lang="en-GB" sz="1000" dirty="0"/>
+              <a:t>https://</a:t>
+            </a:r>
+            <a:r>
+              <a:rPr lang="en-GB" sz="1000" dirty="0" err="1"/>
+              <a:t>www.imperva.com</a:t>
+            </a:r>
+            <a:r>
+              <a:rPr lang="en-GB" sz="1000" dirty="0"/>
+              <a:t>/learn/application-security/zero-day-exploit/</a:t>
+            </a:r>
+          </a:p>
+        </p:txBody>
+      </p:sp>
     </p:spTree>
     <p:extLst>
       <p:ext uri="{BB962C8B-B14F-4D97-AF65-F5344CB8AC3E}">
@@ -4073,6 +4470,36 @@
           <a:chExt cx="0" cy="0"/>
         </a:xfrm>
       </p:grpSpPr>
+    </p:spTree>
+    <p:extLst>
+      <p:ext uri="{BB962C8B-B14F-4D97-AF65-F5344CB8AC3E}">
+        <p14:creationId xmlns:p14="http://schemas.microsoft.com/office/powerpoint/2010/main" val="2047473254"/>
+      </p:ext>
+    </p:extLst>
+  </p:cSld>
+  <p:clrMapOvr>
+    <a:masterClrMapping/>
+  </p:clrMapOvr>
+</p:sld>
+</file>
+
+<file path=ppt/slides/slide7.xml><?xml version="1.0" encoding="utf-8"?>
+<p:sld xmlns:a="http://schemas.openxmlformats.org/drawingml/2006/main" xmlns:r="http://schemas.openxmlformats.org/officeDocument/2006/relationships" xmlns:p="http://schemas.openxmlformats.org/presentationml/2006/main">
+  <p:cSld>
+    <p:spTree>
+      <p:nvGrpSpPr>
+        <p:cNvPr id="1" name=""/>
+        <p:cNvGrpSpPr/>
+        <p:nvPr/>
+      </p:nvGrpSpPr>
+      <p:grpSpPr>
+        <a:xfrm>
+          <a:off x="0" y="0"/>
+          <a:ext cx="0" cy="0"/>
+          <a:chOff x="0" y="0"/>
+          <a:chExt cx="0" cy="0"/>
+        </a:xfrm>
+      </p:grpSpPr>
       <p:sp>
         <p:nvSpPr>
           <p:cNvPr id="2" name="Title 1">
@@ -4094,7 +4521,7 @@
           <a:bodyPr/>
           <a:lstStyle/>
           <a:p>
-            <a:endParaRPr lang="en-GB"/>
+            <a:endParaRPr lang="en-GB" dirty="0"/>
           </a:p>
         </p:txBody>
       </p:sp>

--- a/sctm146-proekt-unrvk-1.pptx
+++ b/sctm146-proekt-unrvk-1.pptx
@@ -10,8 +10,12 @@
     <p:sldId id="264" r:id="rId4"/>
     <p:sldId id="265" r:id="rId5"/>
     <p:sldId id="258" r:id="rId6"/>
-    <p:sldId id="266" r:id="rId7"/>
-    <p:sldId id="262" r:id="rId8"/>
+    <p:sldId id="267" r:id="rId7"/>
+    <p:sldId id="268" r:id="rId8"/>
+    <p:sldId id="269" r:id="rId9"/>
+    <p:sldId id="270" r:id="rId10"/>
+    <p:sldId id="266" r:id="rId11"/>
+    <p:sldId id="262" r:id="rId12"/>
   </p:sldIdLst>
   <p:sldSz cx="12192000" cy="6858000"/>
   <p:notesSz cx="6858000" cy="9144000"/>
@@ -3444,6 +3448,116 @@
 </p:sld>
 </file>
 
+<file path=ppt/slides/slide10.xml><?xml version="1.0" encoding="utf-8"?>
+<p:sld xmlns:a="http://schemas.openxmlformats.org/drawingml/2006/main" xmlns:r="http://schemas.openxmlformats.org/officeDocument/2006/relationships" xmlns:p="http://schemas.openxmlformats.org/presentationml/2006/main">
+  <p:cSld>
+    <p:spTree>
+      <p:nvGrpSpPr>
+        <p:cNvPr id="1" name=""/>
+        <p:cNvGrpSpPr/>
+        <p:nvPr/>
+      </p:nvGrpSpPr>
+      <p:grpSpPr>
+        <a:xfrm>
+          <a:off x="0" y="0"/>
+          <a:ext cx="0" cy="0"/>
+          <a:chOff x="0" y="0"/>
+          <a:chExt cx="0" cy="0"/>
+        </a:xfrm>
+      </p:grpSpPr>
+    </p:spTree>
+    <p:extLst>
+      <p:ext uri="{BB962C8B-B14F-4D97-AF65-F5344CB8AC3E}">
+        <p14:creationId xmlns:p14="http://schemas.microsoft.com/office/powerpoint/2010/main" val="2047473254"/>
+      </p:ext>
+    </p:extLst>
+  </p:cSld>
+  <p:clrMapOvr>
+    <a:masterClrMapping/>
+  </p:clrMapOvr>
+</p:sld>
+</file>
+
+<file path=ppt/slides/slide11.xml><?xml version="1.0" encoding="utf-8"?>
+<p:sld xmlns:a="http://schemas.openxmlformats.org/drawingml/2006/main" xmlns:r="http://schemas.openxmlformats.org/officeDocument/2006/relationships" xmlns:p="http://schemas.openxmlformats.org/presentationml/2006/main">
+  <p:cSld>
+    <p:spTree>
+      <p:nvGrpSpPr>
+        <p:cNvPr id="1" name=""/>
+        <p:cNvGrpSpPr/>
+        <p:nvPr/>
+      </p:nvGrpSpPr>
+      <p:grpSpPr>
+        <a:xfrm>
+          <a:off x="0" y="0"/>
+          <a:ext cx="0" cy="0"/>
+          <a:chOff x="0" y="0"/>
+          <a:chExt cx="0" cy="0"/>
+        </a:xfrm>
+      </p:grpSpPr>
+      <p:sp>
+        <p:nvSpPr>
+          <p:cNvPr id="2" name="Title 1">
+            <a:extLst>
+              <a:ext uri="{FF2B5EF4-FFF2-40B4-BE49-F238E27FC236}">
+                <a16:creationId xmlns:a16="http://schemas.microsoft.com/office/drawing/2014/main" id="{97540B52-23F4-6E46-8627-A44D941BDBC8}"/>
+              </a:ext>
+            </a:extLst>
+          </p:cNvPr>
+          <p:cNvSpPr>
+            <a:spLocks noGrp="1"/>
+          </p:cNvSpPr>
+          <p:nvPr>
+            <p:ph type="ctrTitle"/>
+          </p:nvPr>
+        </p:nvSpPr>
+        <p:spPr/>
+        <p:txBody>
+          <a:bodyPr/>
+          <a:lstStyle/>
+          <a:p>
+            <a:endParaRPr lang="en-GB" dirty="0"/>
+          </a:p>
+        </p:txBody>
+      </p:sp>
+      <p:sp>
+        <p:nvSpPr>
+          <p:cNvPr id="3" name="Subtitle 2">
+            <a:extLst>
+              <a:ext uri="{FF2B5EF4-FFF2-40B4-BE49-F238E27FC236}">
+                <a16:creationId xmlns:a16="http://schemas.microsoft.com/office/drawing/2014/main" id="{F734B3AE-7C98-0D43-8D56-97A09CB779D4}"/>
+              </a:ext>
+            </a:extLst>
+          </p:cNvPr>
+          <p:cNvSpPr>
+            <a:spLocks noGrp="1"/>
+          </p:cNvSpPr>
+          <p:nvPr>
+            <p:ph type="subTitle" idx="1"/>
+          </p:nvPr>
+        </p:nvSpPr>
+        <p:spPr/>
+        <p:txBody>
+          <a:bodyPr/>
+          <a:lstStyle/>
+          <a:p>
+            <a:endParaRPr lang="en-GB"/>
+          </a:p>
+        </p:txBody>
+      </p:sp>
+    </p:spTree>
+    <p:extLst>
+      <p:ext uri="{BB962C8B-B14F-4D97-AF65-F5344CB8AC3E}">
+        <p14:creationId xmlns:p14="http://schemas.microsoft.com/office/powerpoint/2010/main" val="1205255253"/>
+      </p:ext>
+    </p:extLst>
+  </p:cSld>
+  <p:clrMapOvr>
+    <a:masterClrMapping/>
+  </p:clrMapOvr>
+</p:sld>
+</file>
+
 <file path=ppt/slides/slide2.xml><?xml version="1.0" encoding="utf-8"?>
 <p:sld xmlns:a="http://schemas.openxmlformats.org/drawingml/2006/main" xmlns:r="http://schemas.openxmlformats.org/officeDocument/2006/relationships" xmlns:p="http://schemas.openxmlformats.org/presentationml/2006/main">
   <p:cSld>
@@ -4470,10 +4584,381 @@
           <a:chExt cx="0" cy="0"/>
         </a:xfrm>
       </p:grpSpPr>
+      <p:sp>
+        <p:nvSpPr>
+          <p:cNvPr id="4" name="Rectangle 3">
+            <a:extLst>
+              <a:ext uri="{FF2B5EF4-FFF2-40B4-BE49-F238E27FC236}">
+                <a16:creationId xmlns:a16="http://schemas.microsoft.com/office/drawing/2014/main" id="{CF8BCCF9-8A09-4548-9D81-3F19262CD326}"/>
+              </a:ext>
+            </a:extLst>
+          </p:cNvPr>
+          <p:cNvSpPr/>
+          <p:nvPr/>
+        </p:nvSpPr>
+        <p:spPr>
+          <a:xfrm>
+            <a:off x="365256" y="317395"/>
+            <a:ext cx="11509348" cy="528992"/>
+          </a:xfrm>
+          <a:prstGeom prst="rect">
+            <a:avLst/>
+          </a:prstGeom>
+          <a:noFill/>
+          <a:ln>
+            <a:solidFill>
+              <a:schemeClr val="tx1"/>
+            </a:solidFill>
+          </a:ln>
+        </p:spPr>
+        <p:style>
+          <a:lnRef idx="2">
+            <a:schemeClr val="accent6"/>
+          </a:lnRef>
+          <a:fillRef idx="1">
+            <a:schemeClr val="lt1"/>
+          </a:fillRef>
+          <a:effectRef idx="0">
+            <a:schemeClr val="accent6"/>
+          </a:effectRef>
+          <a:fontRef idx="minor">
+            <a:schemeClr val="dk1"/>
+          </a:fontRef>
+        </p:style>
+        <p:txBody>
+          <a:bodyPr rtlCol="0" anchor="ctr"/>
+          <a:lstStyle/>
+          <a:p>
+            <a:pPr algn="ctr"/>
+            <a:endParaRPr lang="en-GB"/>
+          </a:p>
+        </p:txBody>
+      </p:sp>
+      <p:sp>
+        <p:nvSpPr>
+          <p:cNvPr id="6" name="Rectangle 5">
+            <a:extLst>
+              <a:ext uri="{FF2B5EF4-FFF2-40B4-BE49-F238E27FC236}">
+                <a16:creationId xmlns:a16="http://schemas.microsoft.com/office/drawing/2014/main" id="{674060E9-ADD7-5340-9708-92DFAE845D40}"/>
+              </a:ext>
+            </a:extLst>
+          </p:cNvPr>
+          <p:cNvSpPr/>
+          <p:nvPr/>
+        </p:nvSpPr>
+        <p:spPr>
+          <a:xfrm>
+            <a:off x="365256" y="1111178"/>
+            <a:ext cx="11509348" cy="4635643"/>
+          </a:xfrm>
+          <a:prstGeom prst="rect">
+            <a:avLst/>
+          </a:prstGeom>
+          <a:noFill/>
+          <a:ln>
+            <a:solidFill>
+              <a:schemeClr val="tx1"/>
+            </a:solidFill>
+          </a:ln>
+        </p:spPr>
+        <p:style>
+          <a:lnRef idx="2">
+            <a:schemeClr val="accent6"/>
+          </a:lnRef>
+          <a:fillRef idx="1">
+            <a:schemeClr val="lt1"/>
+          </a:fillRef>
+          <a:effectRef idx="0">
+            <a:schemeClr val="accent6"/>
+          </a:effectRef>
+          <a:fontRef idx="minor">
+            <a:schemeClr val="dk1"/>
+          </a:fontRef>
+        </p:style>
+        <p:txBody>
+          <a:bodyPr rtlCol="0" anchor="ctr"/>
+          <a:lstStyle/>
+          <a:p>
+            <a:pPr algn="ctr"/>
+            <a:endParaRPr lang="en-GB"/>
+          </a:p>
+        </p:txBody>
+      </p:sp>
+      <p:sp>
+        <p:nvSpPr>
+          <p:cNvPr id="7" name="Rectangle 6">
+            <a:extLst>
+              <a:ext uri="{FF2B5EF4-FFF2-40B4-BE49-F238E27FC236}">
+                <a16:creationId xmlns:a16="http://schemas.microsoft.com/office/drawing/2014/main" id="{CB0AEC85-DDEC-A948-89DB-C29E427A1882}"/>
+              </a:ext>
+            </a:extLst>
+          </p:cNvPr>
+          <p:cNvSpPr/>
+          <p:nvPr/>
+        </p:nvSpPr>
+        <p:spPr>
+          <a:xfrm>
+            <a:off x="365256" y="6011613"/>
+            <a:ext cx="11509348" cy="528992"/>
+          </a:xfrm>
+          <a:prstGeom prst="rect">
+            <a:avLst/>
+          </a:prstGeom>
+          <a:noFill/>
+          <a:ln>
+            <a:solidFill>
+              <a:schemeClr val="tx1"/>
+            </a:solidFill>
+          </a:ln>
+        </p:spPr>
+        <p:style>
+          <a:lnRef idx="2">
+            <a:schemeClr val="accent6"/>
+          </a:lnRef>
+          <a:fillRef idx="1">
+            <a:schemeClr val="lt1"/>
+          </a:fillRef>
+          <a:effectRef idx="0">
+            <a:schemeClr val="accent6"/>
+          </a:effectRef>
+          <a:fontRef idx="minor">
+            <a:schemeClr val="dk1"/>
+          </a:fontRef>
+        </p:style>
+        <p:txBody>
+          <a:bodyPr rtlCol="0" anchor="ctr"/>
+          <a:lstStyle/>
+          <a:p>
+            <a:pPr algn="ctr"/>
+            <a:endParaRPr lang="en-GB"/>
+          </a:p>
+        </p:txBody>
+      </p:sp>
+      <p:sp>
+        <p:nvSpPr>
+          <p:cNvPr id="9" name="TextBox 8">
+            <a:extLst>
+              <a:ext uri="{FF2B5EF4-FFF2-40B4-BE49-F238E27FC236}">
+                <a16:creationId xmlns:a16="http://schemas.microsoft.com/office/drawing/2014/main" id="{1A3D1B60-F93A-E343-B7AB-41D2E1312838}"/>
+              </a:ext>
+            </a:extLst>
+          </p:cNvPr>
+          <p:cNvSpPr txBox="1"/>
+          <p:nvPr/>
+        </p:nvSpPr>
+        <p:spPr>
+          <a:xfrm>
+            <a:off x="365256" y="396336"/>
+            <a:ext cx="11276055" cy="646331"/>
+          </a:xfrm>
+          <a:prstGeom prst="rect">
+            <a:avLst/>
+          </a:prstGeom>
+          <a:noFill/>
+        </p:spPr>
+        <p:txBody>
+          <a:bodyPr wrap="square" rtlCol="0">
+            <a:spAutoFit/>
+          </a:bodyPr>
+          <a:lstStyle/>
+          <a:p>
+            <a:r>
+              <a:rPr lang="bg-BG" dirty="0"/>
+              <a:t>Какво е </a:t>
+            </a:r>
+            <a:r>
+              <a:rPr lang="bg-BG" dirty="0" err="1"/>
+              <a:t>експлойт</a:t>
+            </a:r>
+            <a:r>
+              <a:rPr lang="bg-BG" dirty="0"/>
+              <a:t> нулев ден (0</a:t>
+            </a:r>
+            <a:r>
+              <a:rPr lang="en-GB" dirty="0"/>
+              <a:t>day)</a:t>
+            </a:r>
+            <a:r>
+              <a:rPr lang="bg-BG" dirty="0"/>
+              <a:t>?</a:t>
+            </a:r>
+            <a:endParaRPr lang="en-GB" dirty="0"/>
+          </a:p>
+          <a:p>
+            <a:endParaRPr lang="en-GB" dirty="0"/>
+          </a:p>
+        </p:txBody>
+      </p:sp>
+      <p:sp>
+        <p:nvSpPr>
+          <p:cNvPr id="11" name="TextBox 10">
+            <a:extLst>
+              <a:ext uri="{FF2B5EF4-FFF2-40B4-BE49-F238E27FC236}">
+                <a16:creationId xmlns:a16="http://schemas.microsoft.com/office/drawing/2014/main" id="{81CC171A-B24E-BF45-9104-D876EC20E73A}"/>
+              </a:ext>
+            </a:extLst>
+          </p:cNvPr>
+          <p:cNvSpPr txBox="1"/>
+          <p:nvPr/>
+        </p:nvSpPr>
+        <p:spPr>
+          <a:xfrm>
+            <a:off x="430306" y="1237129"/>
+            <a:ext cx="184731" cy="369332"/>
+          </a:xfrm>
+          <a:prstGeom prst="rect">
+            <a:avLst/>
+          </a:prstGeom>
+          <a:noFill/>
+        </p:spPr>
+        <p:txBody>
+          <a:bodyPr wrap="none" rtlCol="0">
+            <a:spAutoFit/>
+          </a:bodyPr>
+          <a:lstStyle/>
+          <a:p>
+            <a:endParaRPr lang="en-GB" dirty="0"/>
+          </a:p>
+        </p:txBody>
+      </p:sp>
+      <p:sp>
+        <p:nvSpPr>
+          <p:cNvPr id="15" name="TextBox 14">
+            <a:extLst>
+              <a:ext uri="{FF2B5EF4-FFF2-40B4-BE49-F238E27FC236}">
+                <a16:creationId xmlns:a16="http://schemas.microsoft.com/office/drawing/2014/main" id="{5B48207A-AE7E-5046-BA33-6073BC5157EF}"/>
+              </a:ext>
+            </a:extLst>
+          </p:cNvPr>
+          <p:cNvSpPr txBox="1"/>
+          <p:nvPr/>
+        </p:nvSpPr>
+        <p:spPr>
+          <a:xfrm>
+            <a:off x="439567" y="1166842"/>
+            <a:ext cx="6429769" cy="2554545"/>
+          </a:xfrm>
+          <a:prstGeom prst="rect">
+            <a:avLst/>
+          </a:prstGeom>
+          <a:noFill/>
+          <a:ln>
+            <a:noFill/>
+          </a:ln>
+        </p:spPr>
+        <p:txBody>
+          <a:bodyPr wrap="square" rtlCol="0">
+            <a:spAutoFit/>
+          </a:bodyPr>
+          <a:lstStyle/>
+          <a:p>
+            <a:r>
+              <a:rPr lang="bg" sz="1600" dirty="0"/>
+              <a:t>Експлойтът от нулев ден е, когато хакерите се възползват от недостатък в сигурността на софтуера, за да извършат кибератака. Този недостатък в сигурността е известен само на хакерите, което означава, че разработчиците на софтуер нямат представа за съществуването му и нямат кръпка, която да го отстрани. </a:t>
+            </a:r>
+          </a:p>
+          <a:p>
+            <a:endParaRPr lang="bg" sz="1600" dirty="0"/>
+          </a:p>
+          <a:p>
+            <a:r>
+              <a:rPr lang="bg" sz="1600" dirty="0"/>
+              <a:t>Ето защо, когато бъде открита атака от типа "нулев ден", тя трябва да бъде ограничена незабавно. С други думи, има "нула дни" за отстраняване на уязвимостта, защото тя вече е била използвана. </a:t>
+            </a:r>
+          </a:p>
+          <a:p>
+            <a:endParaRPr lang="en-GB" sz="1600" dirty="0"/>
+          </a:p>
+        </p:txBody>
+      </p:sp>
+      <p:sp>
+        <p:nvSpPr>
+          <p:cNvPr id="16" name="TextBox 15">
+            <a:extLst>
+              <a:ext uri="{FF2B5EF4-FFF2-40B4-BE49-F238E27FC236}">
+                <a16:creationId xmlns:a16="http://schemas.microsoft.com/office/drawing/2014/main" id="{7DAE4B2A-429F-F948-B235-F7FF73B2FEF9}"/>
+              </a:ext>
+            </a:extLst>
+          </p:cNvPr>
+          <p:cNvSpPr txBox="1"/>
+          <p:nvPr/>
+        </p:nvSpPr>
+        <p:spPr>
+          <a:xfrm>
+            <a:off x="430306" y="6061554"/>
+            <a:ext cx="11312865" cy="400110"/>
+          </a:xfrm>
+          <a:prstGeom prst="rect">
+            <a:avLst/>
+          </a:prstGeom>
+          <a:noFill/>
+          <a:ln>
+            <a:solidFill>
+              <a:schemeClr val="tx1"/>
+            </a:solidFill>
+          </a:ln>
+        </p:spPr>
+        <p:txBody>
+          <a:bodyPr wrap="square" rtlCol="0">
+            <a:spAutoFit/>
+          </a:bodyPr>
+          <a:lstStyle/>
+          <a:p>
+            <a:r>
+              <a:rPr lang="bg-BG" sz="1000" dirty="0"/>
+              <a:t>Референции:</a:t>
+            </a:r>
+          </a:p>
+          <a:p>
+            <a:r>
+              <a:rPr lang="en-GB" sz="1000" dirty="0"/>
+              <a:t>https://</a:t>
+            </a:r>
+            <a:r>
+              <a:rPr lang="en-GB" sz="1000" dirty="0" err="1"/>
+              <a:t>us.norton.com</a:t>
+            </a:r>
+            <a:r>
+              <a:rPr lang="en-GB" sz="1000" dirty="0"/>
+              <a:t>/internetsecurity-emerging-threats-how-do-zero-day-vulnerabilities-work.html#</a:t>
+            </a:r>
+          </a:p>
+        </p:txBody>
+      </p:sp>
+      <p:pic>
+        <p:nvPicPr>
+          <p:cNvPr id="17" name="Picture 16" descr="Graphical user interface, application&#10;&#10;Description automatically generated">
+            <a:extLst>
+              <a:ext uri="{FF2B5EF4-FFF2-40B4-BE49-F238E27FC236}">
+                <a16:creationId xmlns:a16="http://schemas.microsoft.com/office/drawing/2014/main" id="{8B9802B5-2C20-2744-856D-EB0CAFED79AB}"/>
+              </a:ext>
+            </a:extLst>
+          </p:cNvPr>
+          <p:cNvPicPr>
+            <a:picLocks noChangeAspect="1"/>
+          </p:cNvPicPr>
+          <p:nvPr/>
+        </p:nvPicPr>
+        <p:blipFill>
+          <a:blip r:embed="rId2"/>
+          <a:stretch>
+            <a:fillRect/>
+          </a:stretch>
+        </p:blipFill>
+        <p:spPr>
+          <a:xfrm>
+            <a:off x="7030892" y="1166842"/>
+            <a:ext cx="4712280" cy="4377240"/>
+          </a:xfrm>
+          <a:prstGeom prst="rect">
+            <a:avLst/>
+          </a:prstGeom>
+        </p:spPr>
+      </p:pic>
     </p:spTree>
     <p:extLst>
       <p:ext uri="{BB962C8B-B14F-4D97-AF65-F5344CB8AC3E}">
-        <p14:creationId xmlns:p14="http://schemas.microsoft.com/office/powerpoint/2010/main" val="2047473254"/>
+        <p14:creationId xmlns:p14="http://schemas.microsoft.com/office/powerpoint/2010/main" val="2484602217"/>
       </p:ext>
     </p:extLst>
   </p:cSld>
@@ -4502,58 +4987,727 @@
       </p:grpSpPr>
       <p:sp>
         <p:nvSpPr>
-          <p:cNvPr id="2" name="Title 1">
-            <a:extLst>
-              <a:ext uri="{FF2B5EF4-FFF2-40B4-BE49-F238E27FC236}">
-                <a16:creationId xmlns:a16="http://schemas.microsoft.com/office/drawing/2014/main" id="{97540B52-23F4-6E46-8627-A44D941BDBC8}"/>
-              </a:ext>
-            </a:extLst>
-          </p:cNvPr>
-          <p:cNvSpPr>
-            <a:spLocks noGrp="1"/>
-          </p:cNvSpPr>
-          <p:nvPr>
-            <p:ph type="ctrTitle"/>
-          </p:nvPr>
-        </p:nvSpPr>
-        <p:spPr/>
-        <p:txBody>
-          <a:bodyPr/>
-          <a:lstStyle/>
-          <a:p>
+          <p:cNvPr id="4" name="Rectangle 3">
+            <a:extLst>
+              <a:ext uri="{FF2B5EF4-FFF2-40B4-BE49-F238E27FC236}">
+                <a16:creationId xmlns:a16="http://schemas.microsoft.com/office/drawing/2014/main" id="{CF8BCCF9-8A09-4548-9D81-3F19262CD326}"/>
+              </a:ext>
+            </a:extLst>
+          </p:cNvPr>
+          <p:cNvSpPr/>
+          <p:nvPr/>
+        </p:nvSpPr>
+        <p:spPr>
+          <a:xfrm>
+            <a:off x="365256" y="317395"/>
+            <a:ext cx="11509348" cy="528992"/>
+          </a:xfrm>
+          <a:prstGeom prst="rect">
+            <a:avLst/>
+          </a:prstGeom>
+          <a:noFill/>
+          <a:ln>
+            <a:solidFill>
+              <a:schemeClr val="tx1"/>
+            </a:solidFill>
+          </a:ln>
+        </p:spPr>
+        <p:style>
+          <a:lnRef idx="2">
+            <a:schemeClr val="accent6"/>
+          </a:lnRef>
+          <a:fillRef idx="1">
+            <a:schemeClr val="lt1"/>
+          </a:fillRef>
+          <a:effectRef idx="0">
+            <a:schemeClr val="accent6"/>
+          </a:effectRef>
+          <a:fontRef idx="minor">
+            <a:schemeClr val="dk1"/>
+          </a:fontRef>
+        </p:style>
+        <p:txBody>
+          <a:bodyPr rtlCol="0" anchor="ctr"/>
+          <a:lstStyle/>
+          <a:p>
+            <a:pPr algn="ctr"/>
+            <a:endParaRPr lang="en-GB"/>
+          </a:p>
+        </p:txBody>
+      </p:sp>
+      <p:sp>
+        <p:nvSpPr>
+          <p:cNvPr id="6" name="Rectangle 5">
+            <a:extLst>
+              <a:ext uri="{FF2B5EF4-FFF2-40B4-BE49-F238E27FC236}">
+                <a16:creationId xmlns:a16="http://schemas.microsoft.com/office/drawing/2014/main" id="{674060E9-ADD7-5340-9708-92DFAE845D40}"/>
+              </a:ext>
+            </a:extLst>
+          </p:cNvPr>
+          <p:cNvSpPr/>
+          <p:nvPr/>
+        </p:nvSpPr>
+        <p:spPr>
+          <a:xfrm>
+            <a:off x="365256" y="1111178"/>
+            <a:ext cx="11509348" cy="4635643"/>
+          </a:xfrm>
+          <a:prstGeom prst="rect">
+            <a:avLst/>
+          </a:prstGeom>
+          <a:noFill/>
+          <a:ln>
+            <a:solidFill>
+              <a:schemeClr val="tx1"/>
+            </a:solidFill>
+          </a:ln>
+        </p:spPr>
+        <p:style>
+          <a:lnRef idx="2">
+            <a:schemeClr val="accent6"/>
+          </a:lnRef>
+          <a:fillRef idx="1">
+            <a:schemeClr val="lt1"/>
+          </a:fillRef>
+          <a:effectRef idx="0">
+            <a:schemeClr val="accent6"/>
+          </a:effectRef>
+          <a:fontRef idx="minor">
+            <a:schemeClr val="dk1"/>
+          </a:fontRef>
+        </p:style>
+        <p:txBody>
+          <a:bodyPr rtlCol="0" anchor="ctr"/>
+          <a:lstStyle/>
+          <a:p>
+            <a:pPr algn="ctr"/>
+            <a:endParaRPr lang="en-GB"/>
+          </a:p>
+        </p:txBody>
+      </p:sp>
+      <p:sp>
+        <p:nvSpPr>
+          <p:cNvPr id="7" name="Rectangle 6">
+            <a:extLst>
+              <a:ext uri="{FF2B5EF4-FFF2-40B4-BE49-F238E27FC236}">
+                <a16:creationId xmlns:a16="http://schemas.microsoft.com/office/drawing/2014/main" id="{CB0AEC85-DDEC-A948-89DB-C29E427A1882}"/>
+              </a:ext>
+            </a:extLst>
+          </p:cNvPr>
+          <p:cNvSpPr/>
+          <p:nvPr/>
+        </p:nvSpPr>
+        <p:spPr>
+          <a:xfrm>
+            <a:off x="365256" y="6011613"/>
+            <a:ext cx="11509348" cy="528992"/>
+          </a:xfrm>
+          <a:prstGeom prst="rect">
+            <a:avLst/>
+          </a:prstGeom>
+          <a:noFill/>
+          <a:ln>
+            <a:solidFill>
+              <a:schemeClr val="tx1"/>
+            </a:solidFill>
+          </a:ln>
+        </p:spPr>
+        <p:style>
+          <a:lnRef idx="2">
+            <a:schemeClr val="accent6"/>
+          </a:lnRef>
+          <a:fillRef idx="1">
+            <a:schemeClr val="lt1"/>
+          </a:fillRef>
+          <a:effectRef idx="0">
+            <a:schemeClr val="accent6"/>
+          </a:effectRef>
+          <a:fontRef idx="minor">
+            <a:schemeClr val="dk1"/>
+          </a:fontRef>
+        </p:style>
+        <p:txBody>
+          <a:bodyPr rtlCol="0" anchor="ctr"/>
+          <a:lstStyle/>
+          <a:p>
+            <a:pPr algn="ctr"/>
+            <a:endParaRPr lang="en-GB"/>
+          </a:p>
+        </p:txBody>
+      </p:sp>
+      <p:sp>
+        <p:nvSpPr>
+          <p:cNvPr id="12" name="TextBox 11">
+            <a:extLst>
+              <a:ext uri="{FF2B5EF4-FFF2-40B4-BE49-F238E27FC236}">
+                <a16:creationId xmlns:a16="http://schemas.microsoft.com/office/drawing/2014/main" id="{358E67CA-3C95-FF40-86BC-C555D6D7696D}"/>
+              </a:ext>
+            </a:extLst>
+          </p:cNvPr>
+          <p:cNvSpPr txBox="1"/>
+          <p:nvPr/>
+        </p:nvSpPr>
+        <p:spPr>
+          <a:xfrm>
+            <a:off x="439567" y="1166842"/>
+            <a:ext cx="11312865" cy="338554"/>
+          </a:xfrm>
+          <a:prstGeom prst="rect">
+            <a:avLst/>
+          </a:prstGeom>
+          <a:noFill/>
+          <a:ln>
+            <a:noFill/>
+          </a:ln>
+        </p:spPr>
+        <p:txBody>
+          <a:bodyPr wrap="square" rtlCol="0">
+            <a:spAutoFit/>
+          </a:bodyPr>
+          <a:lstStyle/>
+          <a:p>
+            <a:endParaRPr lang="en-GB" sz="1600" dirty="0"/>
+          </a:p>
+        </p:txBody>
+      </p:sp>
+      <p:sp>
+        <p:nvSpPr>
+          <p:cNvPr id="8" name="TextBox 7">
+            <a:extLst>
+              <a:ext uri="{FF2B5EF4-FFF2-40B4-BE49-F238E27FC236}">
+                <a16:creationId xmlns:a16="http://schemas.microsoft.com/office/drawing/2014/main" id="{515DB843-B4BA-ED43-82E0-AAA4A1A12D10}"/>
+              </a:ext>
+            </a:extLst>
+          </p:cNvPr>
+          <p:cNvSpPr txBox="1"/>
+          <p:nvPr/>
+        </p:nvSpPr>
+        <p:spPr>
+          <a:xfrm>
+            <a:off x="439567" y="403582"/>
+            <a:ext cx="11312865" cy="369332"/>
+          </a:xfrm>
+          <a:prstGeom prst="rect">
+            <a:avLst/>
+          </a:prstGeom>
+          <a:noFill/>
+          <a:ln>
+            <a:noFill/>
+          </a:ln>
+        </p:spPr>
+        <p:txBody>
+          <a:bodyPr wrap="square" rtlCol="0">
+            <a:spAutoFit/>
+          </a:bodyPr>
+          <a:lstStyle/>
+          <a:p>
+            <a:r>
+              <a:rPr lang="bg-BG" dirty="0"/>
+              <a:t>Списък с референции</a:t>
+            </a:r>
             <a:endParaRPr lang="en-GB" dirty="0"/>
           </a:p>
         </p:txBody>
       </p:sp>
       <p:sp>
         <p:nvSpPr>
-          <p:cNvPr id="3" name="Subtitle 2">
-            <a:extLst>
-              <a:ext uri="{FF2B5EF4-FFF2-40B4-BE49-F238E27FC236}">
-                <a16:creationId xmlns:a16="http://schemas.microsoft.com/office/drawing/2014/main" id="{F734B3AE-7C98-0D43-8D56-97A09CB779D4}"/>
-              </a:ext>
-            </a:extLst>
-          </p:cNvPr>
-          <p:cNvSpPr>
-            <a:spLocks noGrp="1"/>
-          </p:cNvSpPr>
-          <p:nvPr>
-            <p:ph type="subTitle" idx="1"/>
-          </p:nvPr>
-        </p:nvSpPr>
-        <p:spPr/>
-        <p:txBody>
-          <a:bodyPr/>
-          <a:lstStyle/>
-          <a:p>
-            <a:endParaRPr lang="en-GB"/>
+          <p:cNvPr id="9" name="TextBox 8">
+            <a:extLst>
+              <a:ext uri="{FF2B5EF4-FFF2-40B4-BE49-F238E27FC236}">
+                <a16:creationId xmlns:a16="http://schemas.microsoft.com/office/drawing/2014/main" id="{1A1C3C0B-2895-704E-903F-58ACAAF99C78}"/>
+              </a:ext>
+            </a:extLst>
+          </p:cNvPr>
+          <p:cNvSpPr txBox="1"/>
+          <p:nvPr/>
+        </p:nvSpPr>
+        <p:spPr>
+          <a:xfrm>
+            <a:off x="439567" y="1166842"/>
+            <a:ext cx="11312865" cy="954107"/>
+          </a:xfrm>
+          <a:prstGeom prst="rect">
+            <a:avLst/>
+          </a:prstGeom>
+          <a:noFill/>
+          <a:ln>
+            <a:noFill/>
+          </a:ln>
+        </p:spPr>
+        <p:txBody>
+          <a:bodyPr wrap="square" numCol="2" rtlCol="0">
+            <a:spAutoFit/>
+          </a:bodyPr>
+          <a:lstStyle/>
+          <a:p>
+            <a:r>
+              <a:rPr lang="en-GB" sz="800" dirty="0">
+                <a:hlinkClick r:id="rId2"/>
+              </a:rPr>
+              <a:t>https://www.imperva.com/learn/application-security/zero-day-exploit/</a:t>
+            </a:r>
+            <a:endParaRPr lang="bg-BG" sz="800" dirty="0"/>
+          </a:p>
+          <a:p>
+            <a:endParaRPr lang="en-GB" sz="800" dirty="0"/>
+          </a:p>
+          <a:p>
+            <a:r>
+              <a:rPr lang="en-GB" sz="800" dirty="0">
+                <a:hlinkClick r:id="rId3"/>
+              </a:rPr>
+              <a:t>https://us.norton.com/internetsecurity-emerging-threats-how-do-zero-day-vulnerabilities-work.html#</a:t>
+            </a:r>
+            <a:endParaRPr lang="bg-BG" sz="800" dirty="0"/>
+          </a:p>
+          <a:p>
+            <a:endParaRPr lang="bg-BG" sz="800" dirty="0"/>
+          </a:p>
+          <a:p>
+            <a:endParaRPr lang="bg-BG" sz="800" dirty="0"/>
+          </a:p>
+          <a:p>
+            <a:endParaRPr lang="en-GB" sz="800" dirty="0"/>
+          </a:p>
+          <a:p>
+            <a:endParaRPr lang="en-GB" sz="800" dirty="0"/>
           </a:p>
         </p:txBody>
       </p:sp>
     </p:spTree>
     <p:extLst>
       <p:ext uri="{BB962C8B-B14F-4D97-AF65-F5344CB8AC3E}">
-        <p14:creationId xmlns:p14="http://schemas.microsoft.com/office/powerpoint/2010/main" val="1205255253"/>
+        <p14:creationId xmlns:p14="http://schemas.microsoft.com/office/powerpoint/2010/main" val="1390439238"/>
+      </p:ext>
+    </p:extLst>
+  </p:cSld>
+  <p:clrMapOvr>
+    <a:masterClrMapping/>
+  </p:clrMapOvr>
+</p:sld>
+</file>
+
+<file path=ppt/slides/slide8.xml><?xml version="1.0" encoding="utf-8"?>
+<p:sld xmlns:a="http://schemas.openxmlformats.org/drawingml/2006/main" xmlns:r="http://schemas.openxmlformats.org/officeDocument/2006/relationships" xmlns:p="http://schemas.openxmlformats.org/presentationml/2006/main">
+  <p:cSld>
+    <p:spTree>
+      <p:nvGrpSpPr>
+        <p:cNvPr id="1" name=""/>
+        <p:cNvGrpSpPr/>
+        <p:nvPr/>
+      </p:nvGrpSpPr>
+      <p:grpSpPr>
+        <a:xfrm>
+          <a:off x="0" y="0"/>
+          <a:ext cx="0" cy="0"/>
+          <a:chOff x="0" y="0"/>
+          <a:chExt cx="0" cy="0"/>
+        </a:xfrm>
+      </p:grpSpPr>
+      <p:sp>
+        <p:nvSpPr>
+          <p:cNvPr id="4" name="Rectangle 3">
+            <a:extLst>
+              <a:ext uri="{FF2B5EF4-FFF2-40B4-BE49-F238E27FC236}">
+                <a16:creationId xmlns:a16="http://schemas.microsoft.com/office/drawing/2014/main" id="{CF8BCCF9-8A09-4548-9D81-3F19262CD326}"/>
+              </a:ext>
+            </a:extLst>
+          </p:cNvPr>
+          <p:cNvSpPr/>
+          <p:nvPr/>
+        </p:nvSpPr>
+        <p:spPr>
+          <a:xfrm>
+            <a:off x="365256" y="317395"/>
+            <a:ext cx="11509348" cy="528992"/>
+          </a:xfrm>
+          <a:prstGeom prst="rect">
+            <a:avLst/>
+          </a:prstGeom>
+          <a:noFill/>
+          <a:ln>
+            <a:solidFill>
+              <a:schemeClr val="tx1"/>
+            </a:solidFill>
+          </a:ln>
+        </p:spPr>
+        <p:style>
+          <a:lnRef idx="2">
+            <a:schemeClr val="accent6"/>
+          </a:lnRef>
+          <a:fillRef idx="1">
+            <a:schemeClr val="lt1"/>
+          </a:fillRef>
+          <a:effectRef idx="0">
+            <a:schemeClr val="accent6"/>
+          </a:effectRef>
+          <a:fontRef idx="minor">
+            <a:schemeClr val="dk1"/>
+          </a:fontRef>
+        </p:style>
+        <p:txBody>
+          <a:bodyPr rtlCol="0" anchor="ctr"/>
+          <a:lstStyle/>
+          <a:p>
+            <a:pPr algn="ctr"/>
+            <a:endParaRPr lang="en-GB"/>
+          </a:p>
+        </p:txBody>
+      </p:sp>
+      <p:sp>
+        <p:nvSpPr>
+          <p:cNvPr id="6" name="Rectangle 5">
+            <a:extLst>
+              <a:ext uri="{FF2B5EF4-FFF2-40B4-BE49-F238E27FC236}">
+                <a16:creationId xmlns:a16="http://schemas.microsoft.com/office/drawing/2014/main" id="{674060E9-ADD7-5340-9708-92DFAE845D40}"/>
+              </a:ext>
+            </a:extLst>
+          </p:cNvPr>
+          <p:cNvSpPr/>
+          <p:nvPr/>
+        </p:nvSpPr>
+        <p:spPr>
+          <a:xfrm>
+            <a:off x="365256" y="1111178"/>
+            <a:ext cx="11509348" cy="4635643"/>
+          </a:xfrm>
+          <a:prstGeom prst="rect">
+            <a:avLst/>
+          </a:prstGeom>
+          <a:noFill/>
+          <a:ln>
+            <a:solidFill>
+              <a:schemeClr val="tx1"/>
+            </a:solidFill>
+          </a:ln>
+        </p:spPr>
+        <p:style>
+          <a:lnRef idx="2">
+            <a:schemeClr val="accent6"/>
+          </a:lnRef>
+          <a:fillRef idx="1">
+            <a:schemeClr val="lt1"/>
+          </a:fillRef>
+          <a:effectRef idx="0">
+            <a:schemeClr val="accent6"/>
+          </a:effectRef>
+          <a:fontRef idx="minor">
+            <a:schemeClr val="dk1"/>
+          </a:fontRef>
+        </p:style>
+        <p:txBody>
+          <a:bodyPr rtlCol="0" anchor="ctr"/>
+          <a:lstStyle/>
+          <a:p>
+            <a:pPr algn="ctr"/>
+            <a:endParaRPr lang="en-GB"/>
+          </a:p>
+        </p:txBody>
+      </p:sp>
+      <p:sp>
+        <p:nvSpPr>
+          <p:cNvPr id="7" name="Rectangle 6">
+            <a:extLst>
+              <a:ext uri="{FF2B5EF4-FFF2-40B4-BE49-F238E27FC236}">
+                <a16:creationId xmlns:a16="http://schemas.microsoft.com/office/drawing/2014/main" id="{CB0AEC85-DDEC-A948-89DB-C29E427A1882}"/>
+              </a:ext>
+            </a:extLst>
+          </p:cNvPr>
+          <p:cNvSpPr/>
+          <p:nvPr/>
+        </p:nvSpPr>
+        <p:spPr>
+          <a:xfrm>
+            <a:off x="365256" y="6011613"/>
+            <a:ext cx="11509348" cy="528992"/>
+          </a:xfrm>
+          <a:prstGeom prst="rect">
+            <a:avLst/>
+          </a:prstGeom>
+          <a:noFill/>
+          <a:ln>
+            <a:solidFill>
+              <a:schemeClr val="tx1"/>
+            </a:solidFill>
+          </a:ln>
+        </p:spPr>
+        <p:style>
+          <a:lnRef idx="2">
+            <a:schemeClr val="accent6"/>
+          </a:lnRef>
+          <a:fillRef idx="1">
+            <a:schemeClr val="lt1"/>
+          </a:fillRef>
+          <a:effectRef idx="0">
+            <a:schemeClr val="accent6"/>
+          </a:effectRef>
+          <a:fontRef idx="minor">
+            <a:schemeClr val="dk1"/>
+          </a:fontRef>
+        </p:style>
+        <p:txBody>
+          <a:bodyPr rtlCol="0" anchor="ctr"/>
+          <a:lstStyle/>
+          <a:p>
+            <a:pPr algn="ctr"/>
+            <a:endParaRPr lang="en-GB"/>
+          </a:p>
+        </p:txBody>
+      </p:sp>
+      <p:sp>
+        <p:nvSpPr>
+          <p:cNvPr id="12" name="TextBox 11">
+            <a:extLst>
+              <a:ext uri="{FF2B5EF4-FFF2-40B4-BE49-F238E27FC236}">
+                <a16:creationId xmlns:a16="http://schemas.microsoft.com/office/drawing/2014/main" id="{358E67CA-3C95-FF40-86BC-C555D6D7696D}"/>
+              </a:ext>
+            </a:extLst>
+          </p:cNvPr>
+          <p:cNvSpPr txBox="1"/>
+          <p:nvPr/>
+        </p:nvSpPr>
+        <p:spPr>
+          <a:xfrm>
+            <a:off x="439567" y="1166842"/>
+            <a:ext cx="11312865" cy="338554"/>
+          </a:xfrm>
+          <a:prstGeom prst="rect">
+            <a:avLst/>
+          </a:prstGeom>
+          <a:noFill/>
+          <a:ln>
+            <a:noFill/>
+          </a:ln>
+        </p:spPr>
+        <p:txBody>
+          <a:bodyPr wrap="square" rtlCol="0">
+            <a:spAutoFit/>
+          </a:bodyPr>
+          <a:lstStyle/>
+          <a:p>
+            <a:endParaRPr lang="en-GB" sz="1600" dirty="0"/>
+          </a:p>
+        </p:txBody>
+      </p:sp>
+    </p:spTree>
+    <p:extLst>
+      <p:ext uri="{BB962C8B-B14F-4D97-AF65-F5344CB8AC3E}">
+        <p14:creationId xmlns:p14="http://schemas.microsoft.com/office/powerpoint/2010/main" val="1711817247"/>
+      </p:ext>
+    </p:extLst>
+  </p:cSld>
+  <p:clrMapOvr>
+    <a:masterClrMapping/>
+  </p:clrMapOvr>
+</p:sld>
+</file>
+
+<file path=ppt/slides/slide9.xml><?xml version="1.0" encoding="utf-8"?>
+<p:sld xmlns:a="http://schemas.openxmlformats.org/drawingml/2006/main" xmlns:r="http://schemas.openxmlformats.org/officeDocument/2006/relationships" xmlns:p="http://schemas.openxmlformats.org/presentationml/2006/main">
+  <p:cSld>
+    <p:spTree>
+      <p:nvGrpSpPr>
+        <p:cNvPr id="1" name=""/>
+        <p:cNvGrpSpPr/>
+        <p:nvPr/>
+      </p:nvGrpSpPr>
+      <p:grpSpPr>
+        <a:xfrm>
+          <a:off x="0" y="0"/>
+          <a:ext cx="0" cy="0"/>
+          <a:chOff x="0" y="0"/>
+          <a:chExt cx="0" cy="0"/>
+        </a:xfrm>
+      </p:grpSpPr>
+      <p:sp>
+        <p:nvSpPr>
+          <p:cNvPr id="4" name="Rectangle 3">
+            <a:extLst>
+              <a:ext uri="{FF2B5EF4-FFF2-40B4-BE49-F238E27FC236}">
+                <a16:creationId xmlns:a16="http://schemas.microsoft.com/office/drawing/2014/main" id="{CF8BCCF9-8A09-4548-9D81-3F19262CD326}"/>
+              </a:ext>
+            </a:extLst>
+          </p:cNvPr>
+          <p:cNvSpPr/>
+          <p:nvPr/>
+        </p:nvSpPr>
+        <p:spPr>
+          <a:xfrm>
+            <a:off x="365256" y="317395"/>
+            <a:ext cx="11509348" cy="528992"/>
+          </a:xfrm>
+          <a:prstGeom prst="rect">
+            <a:avLst/>
+          </a:prstGeom>
+          <a:noFill/>
+          <a:ln>
+            <a:solidFill>
+              <a:schemeClr val="tx1"/>
+            </a:solidFill>
+          </a:ln>
+        </p:spPr>
+        <p:style>
+          <a:lnRef idx="2">
+            <a:schemeClr val="accent6"/>
+          </a:lnRef>
+          <a:fillRef idx="1">
+            <a:schemeClr val="lt1"/>
+          </a:fillRef>
+          <a:effectRef idx="0">
+            <a:schemeClr val="accent6"/>
+          </a:effectRef>
+          <a:fontRef idx="minor">
+            <a:schemeClr val="dk1"/>
+          </a:fontRef>
+        </p:style>
+        <p:txBody>
+          <a:bodyPr rtlCol="0" anchor="ctr"/>
+          <a:lstStyle/>
+          <a:p>
+            <a:pPr algn="ctr"/>
+            <a:endParaRPr lang="en-GB"/>
+          </a:p>
+        </p:txBody>
+      </p:sp>
+      <p:sp>
+        <p:nvSpPr>
+          <p:cNvPr id="6" name="Rectangle 5">
+            <a:extLst>
+              <a:ext uri="{FF2B5EF4-FFF2-40B4-BE49-F238E27FC236}">
+                <a16:creationId xmlns:a16="http://schemas.microsoft.com/office/drawing/2014/main" id="{674060E9-ADD7-5340-9708-92DFAE845D40}"/>
+              </a:ext>
+            </a:extLst>
+          </p:cNvPr>
+          <p:cNvSpPr/>
+          <p:nvPr/>
+        </p:nvSpPr>
+        <p:spPr>
+          <a:xfrm>
+            <a:off x="365256" y="1111178"/>
+            <a:ext cx="11509348" cy="4635643"/>
+          </a:xfrm>
+          <a:prstGeom prst="rect">
+            <a:avLst/>
+          </a:prstGeom>
+          <a:noFill/>
+          <a:ln>
+            <a:solidFill>
+              <a:schemeClr val="tx1"/>
+            </a:solidFill>
+          </a:ln>
+        </p:spPr>
+        <p:style>
+          <a:lnRef idx="2">
+            <a:schemeClr val="accent6"/>
+          </a:lnRef>
+          <a:fillRef idx="1">
+            <a:schemeClr val="lt1"/>
+          </a:fillRef>
+          <a:effectRef idx="0">
+            <a:schemeClr val="accent6"/>
+          </a:effectRef>
+          <a:fontRef idx="minor">
+            <a:schemeClr val="dk1"/>
+          </a:fontRef>
+        </p:style>
+        <p:txBody>
+          <a:bodyPr rtlCol="0" anchor="ctr"/>
+          <a:lstStyle/>
+          <a:p>
+            <a:pPr algn="ctr"/>
+            <a:endParaRPr lang="en-GB"/>
+          </a:p>
+        </p:txBody>
+      </p:sp>
+      <p:sp>
+        <p:nvSpPr>
+          <p:cNvPr id="7" name="Rectangle 6">
+            <a:extLst>
+              <a:ext uri="{FF2B5EF4-FFF2-40B4-BE49-F238E27FC236}">
+                <a16:creationId xmlns:a16="http://schemas.microsoft.com/office/drawing/2014/main" id="{CB0AEC85-DDEC-A948-89DB-C29E427A1882}"/>
+              </a:ext>
+            </a:extLst>
+          </p:cNvPr>
+          <p:cNvSpPr/>
+          <p:nvPr/>
+        </p:nvSpPr>
+        <p:spPr>
+          <a:xfrm>
+            <a:off x="365256" y="6011613"/>
+            <a:ext cx="11509348" cy="528992"/>
+          </a:xfrm>
+          <a:prstGeom prst="rect">
+            <a:avLst/>
+          </a:prstGeom>
+          <a:noFill/>
+          <a:ln>
+            <a:solidFill>
+              <a:schemeClr val="tx1"/>
+            </a:solidFill>
+          </a:ln>
+        </p:spPr>
+        <p:style>
+          <a:lnRef idx="2">
+            <a:schemeClr val="accent6"/>
+          </a:lnRef>
+          <a:fillRef idx="1">
+            <a:schemeClr val="lt1"/>
+          </a:fillRef>
+          <a:effectRef idx="0">
+            <a:schemeClr val="accent6"/>
+          </a:effectRef>
+          <a:fontRef idx="minor">
+            <a:schemeClr val="dk1"/>
+          </a:fontRef>
+        </p:style>
+        <p:txBody>
+          <a:bodyPr rtlCol="0" anchor="ctr"/>
+          <a:lstStyle/>
+          <a:p>
+            <a:pPr algn="ctr"/>
+            <a:endParaRPr lang="en-GB"/>
+          </a:p>
+        </p:txBody>
+      </p:sp>
+      <p:sp>
+        <p:nvSpPr>
+          <p:cNvPr id="12" name="TextBox 11">
+            <a:extLst>
+              <a:ext uri="{FF2B5EF4-FFF2-40B4-BE49-F238E27FC236}">
+                <a16:creationId xmlns:a16="http://schemas.microsoft.com/office/drawing/2014/main" id="{358E67CA-3C95-FF40-86BC-C555D6D7696D}"/>
+              </a:ext>
+            </a:extLst>
+          </p:cNvPr>
+          <p:cNvSpPr txBox="1"/>
+          <p:nvPr/>
+        </p:nvSpPr>
+        <p:spPr>
+          <a:xfrm>
+            <a:off x="439567" y="1166842"/>
+            <a:ext cx="11312865" cy="338554"/>
+          </a:xfrm>
+          <a:prstGeom prst="rect">
+            <a:avLst/>
+          </a:prstGeom>
+          <a:noFill/>
+          <a:ln>
+            <a:noFill/>
+          </a:ln>
+        </p:spPr>
+        <p:txBody>
+          <a:bodyPr wrap="square" rtlCol="0">
+            <a:spAutoFit/>
+          </a:bodyPr>
+          <a:lstStyle/>
+          <a:p>
+            <a:endParaRPr lang="en-GB" sz="1600" dirty="0"/>
+          </a:p>
+        </p:txBody>
+      </p:sp>
+    </p:spTree>
+    <p:extLst>
+      <p:ext uri="{BB962C8B-B14F-4D97-AF65-F5344CB8AC3E}">
+        <p14:creationId xmlns:p14="http://schemas.microsoft.com/office/powerpoint/2010/main" val="2662757517"/>
       </p:ext>
     </p:extLst>
   </p:cSld>
